--- a/etc/figures.pptx
+++ b/etc/figures.pptx
@@ -5,18 +5,17 @@
     <p:sldMasterId id="2147483648" r:id="rId1"/>
   </p:sldMasterIdLst>
   <p:notesMasterIdLst>
-    <p:notesMasterId r:id="rId11"/>
+    <p:notesMasterId r:id="rId10"/>
   </p:notesMasterIdLst>
   <p:sldIdLst>
     <p:sldId id="256" r:id="rId2"/>
     <p:sldId id="258" r:id="rId3"/>
-    <p:sldId id="257" r:id="rId4"/>
-    <p:sldId id="264" r:id="rId5"/>
-    <p:sldId id="259" r:id="rId6"/>
-    <p:sldId id="260" r:id="rId7"/>
-    <p:sldId id="261" r:id="rId8"/>
-    <p:sldId id="262" r:id="rId9"/>
-    <p:sldId id="263" r:id="rId10"/>
+    <p:sldId id="264" r:id="rId4"/>
+    <p:sldId id="259" r:id="rId5"/>
+    <p:sldId id="260" r:id="rId6"/>
+    <p:sldId id="261" r:id="rId7"/>
+    <p:sldId id="262" r:id="rId8"/>
+    <p:sldId id="263" r:id="rId9"/>
   </p:sldIdLst>
   <p:sldSz cx="12192000" cy="6858000"/>
   <p:notesSz cx="6858000" cy="9144000"/>
@@ -6878,1003 +6877,45 @@
           <a:chExt cx="0" cy="0"/>
         </a:xfrm>
       </p:grpSpPr>
-      <p:grpSp>
-        <p:nvGrpSpPr>
-          <p:cNvPr id="5" name="Group 4"/>
-          <p:cNvGrpSpPr/>
-          <p:nvPr/>
-        </p:nvGrpSpPr>
-        <p:grpSpPr>
+      <p:sp>
+        <p:nvSpPr>
+          <p:cNvPr id="3" name="Content Placeholder 2"/>
+          <p:cNvSpPr>
+            <a:spLocks noGrp="1"/>
+          </p:cNvSpPr>
+          <p:nvPr>
+            <p:ph idx="1"/>
+          </p:nvPr>
+        </p:nvSpPr>
+        <p:spPr>
           <a:xfrm>
-            <a:off x="6995430" y="836567"/>
-            <a:ext cx="2396187" cy="5057775"/>
-            <a:chOff x="1800768" y="340179"/>
-            <a:chExt cx="2396187" cy="5057775"/>
-          </a:xfrm>
-        </p:grpSpPr>
-        <p:sp>
-          <p:nvSpPr>
-            <p:cNvPr id="6" name="Rectangle 5"/>
-            <p:cNvSpPr/>
-            <p:nvPr/>
-          </p:nvSpPr>
-          <p:spPr>
-            <a:xfrm>
-              <a:off x="2028058" y="340179"/>
-              <a:ext cx="1941605" cy="5057775"/>
-            </a:xfrm>
-            <a:prstGeom prst="rect">
-              <a:avLst/>
-            </a:prstGeom>
-          </p:spPr>
-          <p:style>
-            <a:lnRef idx="2">
-              <a:schemeClr val="accent1">
-                <a:shade val="50000"/>
-              </a:schemeClr>
-            </a:lnRef>
-            <a:fillRef idx="1">
-              <a:schemeClr val="accent1"/>
-            </a:fillRef>
-            <a:effectRef idx="0">
-              <a:schemeClr val="accent1"/>
-            </a:effectRef>
-            <a:fontRef idx="minor">
-              <a:schemeClr val="lt1"/>
-            </a:fontRef>
-          </p:style>
-          <p:txBody>
-            <a:bodyPr rtlCol="0" anchor="ctr"/>
-            <a:lstStyle/>
-            <a:p>
-              <a:pPr algn="ctr"/>
-              <a:r>
-                <a:rPr lang="en-US" sz="2800" dirty="0" smtClean="0"/>
-                <a:t>H-ELM</a:t>
-              </a:r>
-            </a:p>
-            <a:p>
-              <a:pPr algn="ctr"/>
-              <a:r>
-                <a:rPr lang="en-US" sz="2800" dirty="0"/>
-                <a:t>f</a:t>
-              </a:r>
-              <a:r>
-                <a:rPr lang="en-US" sz="2800" dirty="0" smtClean="0"/>
-                <a:t>or Q </a:t>
-              </a:r>
-            </a:p>
-            <a:p>
-              <a:pPr algn="ctr"/>
-              <a:r>
-                <a:rPr lang="en-US" sz="2800" dirty="0" smtClean="0"/>
-                <a:t>forecasting</a:t>
-              </a:r>
-              <a:endParaRPr lang="en-US" sz="2800" dirty="0"/>
-            </a:p>
-          </p:txBody>
-        </p:sp>
-        <p:sp>
-          <p:nvSpPr>
-            <p:cNvPr id="7" name="Rectangle 6"/>
-            <p:cNvSpPr/>
-            <p:nvPr/>
-          </p:nvSpPr>
-          <p:spPr>
-            <a:xfrm>
-              <a:off x="1800768" y="340179"/>
-              <a:ext cx="2396187" cy="5057775"/>
-            </a:xfrm>
-            <a:prstGeom prst="rect">
-              <a:avLst/>
-            </a:prstGeom>
-            <a:noFill/>
-          </p:spPr>
-          <p:style>
-            <a:lnRef idx="2">
-              <a:schemeClr val="accent1">
-                <a:shade val="50000"/>
-              </a:schemeClr>
-            </a:lnRef>
-            <a:fillRef idx="1">
-              <a:schemeClr val="accent1"/>
-            </a:fillRef>
-            <a:effectRef idx="0">
-              <a:schemeClr val="accent1"/>
-            </a:effectRef>
-            <a:fontRef idx="minor">
-              <a:schemeClr val="lt1"/>
-            </a:fontRef>
-          </p:style>
-          <p:txBody>
-            <a:bodyPr rtlCol="0" anchor="ctr"/>
-            <a:lstStyle/>
-            <a:p>
-              <a:pPr algn="ctr"/>
-              <a:endParaRPr lang="en-US"/>
-            </a:p>
-          </p:txBody>
-        </p:sp>
-      </p:grpSp>
-      <p:grpSp>
-        <p:nvGrpSpPr>
-          <p:cNvPr id="32" name="Group 31"/>
-          <p:cNvGrpSpPr/>
-          <p:nvPr/>
-        </p:nvGrpSpPr>
-        <p:grpSpPr>
-          <a:xfrm>
-            <a:off x="5490154" y="1951225"/>
-            <a:ext cx="1491612" cy="461665"/>
-            <a:chOff x="361406" y="1328057"/>
-            <a:chExt cx="1491612" cy="461665"/>
-          </a:xfrm>
-        </p:grpSpPr>
-        <p:sp>
-          <p:nvSpPr>
-            <p:cNvPr id="33" name="TextBox 32"/>
-            <p:cNvSpPr txBox="1"/>
-            <p:nvPr/>
-          </p:nvSpPr>
-          <p:spPr>
-            <a:xfrm>
-              <a:off x="361406" y="1328057"/>
-              <a:ext cx="786857" cy="461665"/>
-            </a:xfrm>
-            <a:prstGeom prst="rect">
-              <a:avLst/>
-            </a:prstGeom>
-            <a:noFill/>
-          </p:spPr>
-          <p:txBody>
-            <a:bodyPr wrap="square" rtlCol="0">
-              <a:spAutoFit/>
-            </a:bodyPr>
-            <a:lstStyle/>
-            <a:p>
-              <a:r>
-                <a:rPr lang="en-US" sz="2400" dirty="0" smtClean="0"/>
-                <a:t>P</a:t>
-              </a:r>
-              <a:r>
-                <a:rPr lang="en-US" sz="2400" baseline="-25000" dirty="0" smtClean="0"/>
-                <a:t>D-1</a:t>
-              </a:r>
-              <a:endParaRPr lang="en-US" sz="2400" dirty="0"/>
-            </a:p>
-          </p:txBody>
-        </p:sp>
-        <p:cxnSp>
-          <p:nvCxnSpPr>
-            <p:cNvPr id="34" name="Straight Arrow Connector 33"/>
-            <p:cNvCxnSpPr/>
-            <p:nvPr/>
-          </p:nvCxnSpPr>
-          <p:spPr>
-            <a:xfrm>
-              <a:off x="1148263" y="1558890"/>
-              <a:ext cx="704755" cy="4439"/>
-            </a:xfrm>
-            <a:prstGeom prst="straightConnector1">
-              <a:avLst/>
-            </a:prstGeom>
-            <a:ln w="31750">
-              <a:tailEnd type="triangle"/>
-            </a:ln>
-          </p:spPr>
-          <p:style>
-            <a:lnRef idx="1">
-              <a:schemeClr val="accent1"/>
-            </a:lnRef>
-            <a:fillRef idx="0">
-              <a:schemeClr val="accent1"/>
-            </a:fillRef>
-            <a:effectRef idx="0">
-              <a:schemeClr val="accent1"/>
-            </a:effectRef>
-            <a:fontRef idx="minor">
-              <a:schemeClr val="tx1"/>
-            </a:fontRef>
-          </p:style>
-        </p:cxnSp>
-        <p:sp>
-          <p:nvSpPr>
-            <p:cNvPr id="35" name="Oval 34"/>
-            <p:cNvSpPr/>
-            <p:nvPr/>
-          </p:nvSpPr>
-          <p:spPr>
-            <a:xfrm>
-              <a:off x="1096107" y="1512277"/>
-              <a:ext cx="93600" cy="93785"/>
-            </a:xfrm>
-            <a:prstGeom prst="ellipse">
-              <a:avLst/>
-            </a:prstGeom>
-            <a:ln>
-              <a:noFill/>
-            </a:ln>
-          </p:spPr>
-          <p:style>
-            <a:lnRef idx="2">
-              <a:schemeClr val="accent1">
-                <a:shade val="50000"/>
-              </a:schemeClr>
-            </a:lnRef>
-            <a:fillRef idx="1">
-              <a:schemeClr val="accent1"/>
-            </a:fillRef>
-            <a:effectRef idx="0">
-              <a:schemeClr val="accent1"/>
-            </a:effectRef>
-            <a:fontRef idx="minor">
-              <a:schemeClr val="lt1"/>
-            </a:fontRef>
-          </p:style>
-          <p:txBody>
-            <a:bodyPr rtlCol="0" anchor="ctr"/>
-            <a:lstStyle/>
-            <a:p>
-              <a:pPr algn="ctr"/>
-              <a:endParaRPr lang="en-US"/>
-            </a:p>
-          </p:txBody>
-        </p:sp>
-      </p:grpSp>
-      <p:grpSp>
-        <p:nvGrpSpPr>
-          <p:cNvPr id="36" name="Group 35"/>
-          <p:cNvGrpSpPr/>
-          <p:nvPr/>
-        </p:nvGrpSpPr>
-        <p:grpSpPr>
-          <a:xfrm>
-            <a:off x="5525849" y="2764558"/>
-            <a:ext cx="1491612" cy="461665"/>
-            <a:chOff x="361406" y="1328057"/>
-            <a:chExt cx="1491612" cy="461665"/>
-          </a:xfrm>
-        </p:grpSpPr>
-        <p:sp>
-          <p:nvSpPr>
-            <p:cNvPr id="37" name="TextBox 36"/>
-            <p:cNvSpPr txBox="1"/>
-            <p:nvPr/>
-          </p:nvSpPr>
-          <p:spPr>
-            <a:xfrm>
-              <a:off x="361406" y="1328057"/>
-              <a:ext cx="786857" cy="461665"/>
-            </a:xfrm>
-            <a:prstGeom prst="rect">
-              <a:avLst/>
-            </a:prstGeom>
-            <a:noFill/>
-          </p:spPr>
-          <p:txBody>
-            <a:bodyPr wrap="square" rtlCol="0">
-              <a:spAutoFit/>
-            </a:bodyPr>
-            <a:lstStyle/>
-            <a:p>
-              <a:r>
-                <a:rPr lang="en-US" sz="2400" dirty="0"/>
-                <a:t>Q</a:t>
-              </a:r>
-              <a:r>
-                <a:rPr lang="en-US" sz="2400" baseline="-25000" dirty="0" smtClean="0"/>
-                <a:t>D-1</a:t>
-              </a:r>
-              <a:endParaRPr lang="en-US" sz="2400" dirty="0"/>
-            </a:p>
-          </p:txBody>
-        </p:sp>
-        <p:cxnSp>
-          <p:nvCxnSpPr>
-            <p:cNvPr id="38" name="Straight Arrow Connector 37"/>
-            <p:cNvCxnSpPr/>
-            <p:nvPr/>
-          </p:nvCxnSpPr>
-          <p:spPr>
-            <a:xfrm>
-              <a:off x="1148263" y="1558890"/>
-              <a:ext cx="704755" cy="4439"/>
-            </a:xfrm>
-            <a:prstGeom prst="straightConnector1">
-              <a:avLst/>
-            </a:prstGeom>
-            <a:ln w="31750">
-              <a:tailEnd type="triangle"/>
-            </a:ln>
-          </p:spPr>
-          <p:style>
-            <a:lnRef idx="1">
-              <a:schemeClr val="accent1"/>
-            </a:lnRef>
-            <a:fillRef idx="0">
-              <a:schemeClr val="accent1"/>
-            </a:fillRef>
-            <a:effectRef idx="0">
-              <a:schemeClr val="accent1"/>
-            </a:effectRef>
-            <a:fontRef idx="minor">
-              <a:schemeClr val="tx1"/>
-            </a:fontRef>
-          </p:style>
-        </p:cxnSp>
-        <p:sp>
-          <p:nvSpPr>
-            <p:cNvPr id="39" name="Oval 38"/>
-            <p:cNvSpPr/>
-            <p:nvPr/>
-          </p:nvSpPr>
-          <p:spPr>
-            <a:xfrm>
-              <a:off x="1096107" y="1512277"/>
-              <a:ext cx="93600" cy="93785"/>
-            </a:xfrm>
-            <a:prstGeom prst="ellipse">
-              <a:avLst/>
-            </a:prstGeom>
-            <a:ln>
-              <a:noFill/>
-            </a:ln>
-          </p:spPr>
-          <p:style>
-            <a:lnRef idx="2">
-              <a:schemeClr val="accent1">
-                <a:shade val="50000"/>
-              </a:schemeClr>
-            </a:lnRef>
-            <a:fillRef idx="1">
-              <a:schemeClr val="accent1"/>
-            </a:fillRef>
-            <a:effectRef idx="0">
-              <a:schemeClr val="accent1"/>
-            </a:effectRef>
-            <a:fontRef idx="minor">
-              <a:schemeClr val="lt1"/>
-            </a:fontRef>
-          </p:style>
-          <p:txBody>
-            <a:bodyPr rtlCol="0" anchor="ctr"/>
-            <a:lstStyle/>
-            <a:p>
-              <a:pPr algn="ctr"/>
-              <a:endParaRPr lang="en-US"/>
-            </a:p>
-          </p:txBody>
-        </p:sp>
-      </p:grpSp>
-      <p:grpSp>
-        <p:nvGrpSpPr>
-          <p:cNvPr id="40" name="Group 39"/>
-          <p:cNvGrpSpPr/>
-          <p:nvPr/>
-        </p:nvGrpSpPr>
-        <p:grpSpPr>
-          <a:xfrm>
-            <a:off x="5525849" y="3514588"/>
-            <a:ext cx="1491612" cy="461665"/>
-            <a:chOff x="361406" y="1328057"/>
-            <a:chExt cx="1491612" cy="461665"/>
-          </a:xfrm>
-        </p:grpSpPr>
-        <p:sp>
-          <p:nvSpPr>
-            <p:cNvPr id="41" name="TextBox 40"/>
-            <p:cNvSpPr txBox="1"/>
-            <p:nvPr/>
-          </p:nvSpPr>
-          <p:spPr>
-            <a:xfrm>
-              <a:off x="361406" y="1328057"/>
-              <a:ext cx="786857" cy="461665"/>
-            </a:xfrm>
-            <a:prstGeom prst="rect">
-              <a:avLst/>
-            </a:prstGeom>
-            <a:noFill/>
-          </p:spPr>
-          <p:txBody>
-            <a:bodyPr wrap="square" rtlCol="0">
-              <a:spAutoFit/>
-            </a:bodyPr>
-            <a:lstStyle/>
-            <a:p>
-              <a:r>
-                <a:rPr lang="en-US" sz="2400" dirty="0"/>
-                <a:t>T</a:t>
-              </a:r>
-              <a:r>
-                <a:rPr lang="en-US" sz="2400" baseline="-25000" dirty="0" smtClean="0"/>
-                <a:t>D-1</a:t>
-              </a:r>
-              <a:endParaRPr lang="en-US" sz="2400" dirty="0"/>
-            </a:p>
-          </p:txBody>
-        </p:sp>
-        <p:cxnSp>
-          <p:nvCxnSpPr>
-            <p:cNvPr id="42" name="Straight Arrow Connector 41"/>
-            <p:cNvCxnSpPr/>
-            <p:nvPr/>
-          </p:nvCxnSpPr>
-          <p:spPr>
-            <a:xfrm>
-              <a:off x="1148263" y="1558890"/>
-              <a:ext cx="704755" cy="4439"/>
-            </a:xfrm>
-            <a:prstGeom prst="straightConnector1">
-              <a:avLst/>
-            </a:prstGeom>
-            <a:ln w="31750">
-              <a:tailEnd type="triangle"/>
-            </a:ln>
-          </p:spPr>
-          <p:style>
-            <a:lnRef idx="1">
-              <a:schemeClr val="accent1"/>
-            </a:lnRef>
-            <a:fillRef idx="0">
-              <a:schemeClr val="accent1"/>
-            </a:fillRef>
-            <a:effectRef idx="0">
-              <a:schemeClr val="accent1"/>
-            </a:effectRef>
-            <a:fontRef idx="minor">
-              <a:schemeClr val="tx1"/>
-            </a:fontRef>
-          </p:style>
-        </p:cxnSp>
-        <p:sp>
-          <p:nvSpPr>
-            <p:cNvPr id="43" name="Oval 42"/>
-            <p:cNvSpPr/>
-            <p:nvPr/>
-          </p:nvSpPr>
-          <p:spPr>
-            <a:xfrm>
-              <a:off x="1096107" y="1512277"/>
-              <a:ext cx="93600" cy="93785"/>
-            </a:xfrm>
-            <a:prstGeom prst="ellipse">
-              <a:avLst/>
-            </a:prstGeom>
-            <a:ln>
-              <a:noFill/>
-            </a:ln>
-          </p:spPr>
-          <p:style>
-            <a:lnRef idx="2">
-              <a:schemeClr val="accent1">
-                <a:shade val="50000"/>
-              </a:schemeClr>
-            </a:lnRef>
-            <a:fillRef idx="1">
-              <a:schemeClr val="accent1"/>
-            </a:fillRef>
-            <a:effectRef idx="0">
-              <a:schemeClr val="accent1"/>
-            </a:effectRef>
-            <a:fontRef idx="minor">
-              <a:schemeClr val="lt1"/>
-            </a:fontRef>
-          </p:style>
-          <p:txBody>
-            <a:bodyPr rtlCol="0" anchor="ctr"/>
-            <a:lstStyle/>
-            <a:p>
-              <a:pPr algn="ctr"/>
-              <a:endParaRPr lang="en-US"/>
-            </a:p>
-          </p:txBody>
-        </p:sp>
-      </p:grpSp>
-      <p:grpSp>
-        <p:nvGrpSpPr>
-          <p:cNvPr id="44" name="Group 43"/>
-          <p:cNvGrpSpPr/>
-          <p:nvPr/>
-        </p:nvGrpSpPr>
-        <p:grpSpPr>
-          <a:xfrm>
-            <a:off x="9372623" y="2995390"/>
-            <a:ext cx="1543768" cy="461665"/>
-            <a:chOff x="1096107" y="1287630"/>
-            <a:chExt cx="1543768" cy="461665"/>
-          </a:xfrm>
-        </p:grpSpPr>
-        <p:sp>
-          <p:nvSpPr>
-            <p:cNvPr id="45" name="TextBox 44"/>
-            <p:cNvSpPr txBox="1"/>
-            <p:nvPr/>
-          </p:nvSpPr>
-          <p:spPr>
-            <a:xfrm>
-              <a:off x="1853018" y="1287630"/>
-              <a:ext cx="786857" cy="461665"/>
-            </a:xfrm>
-            <a:prstGeom prst="rect">
-              <a:avLst/>
-            </a:prstGeom>
-            <a:noFill/>
-          </p:spPr>
-          <p:txBody>
-            <a:bodyPr wrap="square" rtlCol="0">
-              <a:spAutoFit/>
-            </a:bodyPr>
-            <a:lstStyle/>
-            <a:p>
-              <a:r>
-                <a:rPr lang="en-US" sz="2400" dirty="0"/>
-                <a:t>Q</a:t>
-              </a:r>
-              <a:r>
-                <a:rPr lang="en-US" sz="2400" baseline="-25000" dirty="0" smtClean="0"/>
-                <a:t>D</a:t>
-              </a:r>
-              <a:endParaRPr lang="en-US" sz="2400" dirty="0"/>
-            </a:p>
-          </p:txBody>
-        </p:sp>
-        <p:cxnSp>
-          <p:nvCxnSpPr>
-            <p:cNvPr id="46" name="Straight Arrow Connector 45"/>
-            <p:cNvCxnSpPr/>
-            <p:nvPr/>
-          </p:nvCxnSpPr>
-          <p:spPr>
-            <a:xfrm>
-              <a:off x="1148263" y="1558890"/>
-              <a:ext cx="704755" cy="4439"/>
-            </a:xfrm>
-            <a:prstGeom prst="straightConnector1">
-              <a:avLst/>
-            </a:prstGeom>
-            <a:ln w="31750">
-              <a:tailEnd type="triangle"/>
-            </a:ln>
-          </p:spPr>
-          <p:style>
-            <a:lnRef idx="1">
-              <a:schemeClr val="accent1"/>
-            </a:lnRef>
-            <a:fillRef idx="0">
-              <a:schemeClr val="accent1"/>
-            </a:fillRef>
-            <a:effectRef idx="0">
-              <a:schemeClr val="accent1"/>
-            </a:effectRef>
-            <a:fontRef idx="minor">
-              <a:schemeClr val="tx1"/>
-            </a:fontRef>
-          </p:style>
-        </p:cxnSp>
-        <p:sp>
-          <p:nvSpPr>
-            <p:cNvPr id="47" name="Oval 46"/>
-            <p:cNvSpPr/>
-            <p:nvPr/>
-          </p:nvSpPr>
-          <p:spPr>
-            <a:xfrm>
-              <a:off x="1096107" y="1512277"/>
-              <a:ext cx="93600" cy="93785"/>
-            </a:xfrm>
-            <a:prstGeom prst="ellipse">
-              <a:avLst/>
-            </a:prstGeom>
-            <a:ln>
-              <a:noFill/>
-            </a:ln>
-          </p:spPr>
-          <p:style>
-            <a:lnRef idx="2">
-              <a:schemeClr val="accent1">
-                <a:shade val="50000"/>
-              </a:schemeClr>
-            </a:lnRef>
-            <a:fillRef idx="1">
-              <a:schemeClr val="accent1"/>
-            </a:fillRef>
-            <a:effectRef idx="0">
-              <a:schemeClr val="accent1"/>
-            </a:effectRef>
-            <a:fontRef idx="minor">
-              <a:schemeClr val="lt1"/>
-            </a:fontRef>
-          </p:style>
-          <p:txBody>
-            <a:bodyPr rtlCol="0" anchor="ctr"/>
-            <a:lstStyle/>
-            <a:p>
-              <a:pPr algn="ctr"/>
-              <a:endParaRPr lang="en-US"/>
-            </a:p>
-          </p:txBody>
-        </p:sp>
-      </p:grpSp>
-      <p:grpSp>
-        <p:nvGrpSpPr>
-          <p:cNvPr id="48" name="Group 47"/>
-          <p:cNvGrpSpPr/>
-          <p:nvPr/>
-        </p:nvGrpSpPr>
-        <p:grpSpPr>
-          <a:xfrm>
-            <a:off x="5503816" y="4219291"/>
-            <a:ext cx="1491612" cy="461665"/>
-            <a:chOff x="361406" y="1328057"/>
-            <a:chExt cx="1491612" cy="461665"/>
-          </a:xfrm>
-        </p:grpSpPr>
-        <p:sp>
-          <p:nvSpPr>
-            <p:cNvPr id="49" name="TextBox 48"/>
-            <p:cNvSpPr txBox="1"/>
-            <p:nvPr/>
-          </p:nvSpPr>
-          <p:spPr>
-            <a:xfrm>
-              <a:off x="361406" y="1328057"/>
-              <a:ext cx="786857" cy="461665"/>
-            </a:xfrm>
-            <a:prstGeom prst="rect">
-              <a:avLst/>
-            </a:prstGeom>
-            <a:noFill/>
-          </p:spPr>
-          <p:txBody>
-            <a:bodyPr wrap="square" rtlCol="0">
-              <a:spAutoFit/>
-            </a:bodyPr>
-            <a:lstStyle/>
-            <a:p>
-              <a:r>
-                <a:rPr lang="en-US" sz="2400" dirty="0"/>
-                <a:t>T</a:t>
-              </a:r>
-              <a:r>
-                <a:rPr lang="en-US" sz="2400" baseline="-25000" dirty="0" smtClean="0"/>
-                <a:t>D</a:t>
-              </a:r>
-              <a:endParaRPr lang="en-US" sz="2400" dirty="0"/>
-            </a:p>
-          </p:txBody>
-        </p:sp>
-        <p:cxnSp>
-          <p:nvCxnSpPr>
-            <p:cNvPr id="50" name="Straight Arrow Connector 49"/>
-            <p:cNvCxnSpPr/>
-            <p:nvPr/>
-          </p:nvCxnSpPr>
-          <p:spPr>
-            <a:xfrm>
-              <a:off x="1148263" y="1558890"/>
-              <a:ext cx="704755" cy="4439"/>
-            </a:xfrm>
-            <a:prstGeom prst="straightConnector1">
-              <a:avLst/>
-            </a:prstGeom>
-            <a:ln w="31750">
-              <a:tailEnd type="triangle"/>
-            </a:ln>
-          </p:spPr>
-          <p:style>
-            <a:lnRef idx="1">
-              <a:schemeClr val="accent1"/>
-            </a:lnRef>
-            <a:fillRef idx="0">
-              <a:schemeClr val="accent1"/>
-            </a:fillRef>
-            <a:effectRef idx="0">
-              <a:schemeClr val="accent1"/>
-            </a:effectRef>
-            <a:fontRef idx="minor">
-              <a:schemeClr val="tx1"/>
-            </a:fontRef>
-          </p:style>
-        </p:cxnSp>
-        <p:sp>
-          <p:nvSpPr>
-            <p:cNvPr id="51" name="Oval 50"/>
-            <p:cNvSpPr/>
-            <p:nvPr/>
-          </p:nvSpPr>
-          <p:spPr>
-            <a:xfrm>
-              <a:off x="1096107" y="1512277"/>
-              <a:ext cx="93600" cy="93785"/>
-            </a:xfrm>
-            <a:prstGeom prst="ellipse">
-              <a:avLst/>
-            </a:prstGeom>
-            <a:ln>
-              <a:noFill/>
-            </a:ln>
-          </p:spPr>
-          <p:style>
-            <a:lnRef idx="2">
-              <a:schemeClr val="accent1">
-                <a:shade val="50000"/>
-              </a:schemeClr>
-            </a:lnRef>
-            <a:fillRef idx="1">
-              <a:schemeClr val="accent1"/>
-            </a:fillRef>
-            <a:effectRef idx="0">
-              <a:schemeClr val="accent1"/>
-            </a:effectRef>
-            <a:fontRef idx="minor">
-              <a:schemeClr val="lt1"/>
-            </a:fontRef>
-          </p:style>
-          <p:txBody>
-            <a:bodyPr rtlCol="0" anchor="ctr"/>
-            <a:lstStyle/>
-            <a:p>
-              <a:pPr algn="ctr"/>
-              <a:endParaRPr lang="en-US"/>
-            </a:p>
-          </p:txBody>
-        </p:sp>
-      </p:grpSp>
-      <p:grpSp>
-        <p:nvGrpSpPr>
-          <p:cNvPr id="52" name="Group 51"/>
-          <p:cNvGrpSpPr/>
-          <p:nvPr/>
-        </p:nvGrpSpPr>
-        <p:grpSpPr>
-          <a:xfrm>
-            <a:off x="5503817" y="4996009"/>
-            <a:ext cx="1491612" cy="461665"/>
-            <a:chOff x="361406" y="1328057"/>
-            <a:chExt cx="1491612" cy="461665"/>
-          </a:xfrm>
-        </p:grpSpPr>
-        <p:sp>
-          <p:nvSpPr>
-            <p:cNvPr id="53" name="TextBox 52"/>
-            <p:cNvSpPr txBox="1"/>
-            <p:nvPr/>
-          </p:nvSpPr>
-          <p:spPr>
-            <a:xfrm>
-              <a:off x="361406" y="1328057"/>
-              <a:ext cx="786857" cy="461665"/>
-            </a:xfrm>
-            <a:prstGeom prst="rect">
-              <a:avLst/>
-            </a:prstGeom>
-            <a:noFill/>
-          </p:spPr>
-          <p:txBody>
-            <a:bodyPr wrap="square" rtlCol="0">
-              <a:spAutoFit/>
-            </a:bodyPr>
-            <a:lstStyle/>
-            <a:p>
-              <a:r>
-                <a:rPr lang="en-US" sz="2400" dirty="0"/>
-                <a:t>D</a:t>
-              </a:r>
-              <a:r>
-                <a:rPr lang="en-US" sz="2400" baseline="-25000" dirty="0" smtClean="0"/>
-                <a:t>D</a:t>
-              </a:r>
-              <a:endParaRPr lang="en-US" sz="2400" dirty="0"/>
-            </a:p>
-          </p:txBody>
-        </p:sp>
-        <p:cxnSp>
-          <p:nvCxnSpPr>
-            <p:cNvPr id="54" name="Straight Arrow Connector 53"/>
-            <p:cNvCxnSpPr/>
-            <p:nvPr/>
-          </p:nvCxnSpPr>
-          <p:spPr>
-            <a:xfrm>
-              <a:off x="1148263" y="1558890"/>
-              <a:ext cx="704755" cy="4439"/>
-            </a:xfrm>
-            <a:prstGeom prst="straightConnector1">
-              <a:avLst/>
-            </a:prstGeom>
-            <a:ln w="31750">
-              <a:tailEnd type="triangle"/>
-            </a:ln>
-          </p:spPr>
-          <p:style>
-            <a:lnRef idx="1">
-              <a:schemeClr val="accent1"/>
-            </a:lnRef>
-            <a:fillRef idx="0">
-              <a:schemeClr val="accent1"/>
-            </a:fillRef>
-            <a:effectRef idx="0">
-              <a:schemeClr val="accent1"/>
-            </a:effectRef>
-            <a:fontRef idx="minor">
-              <a:schemeClr val="tx1"/>
-            </a:fontRef>
-          </p:style>
-        </p:cxnSp>
-        <p:sp>
-          <p:nvSpPr>
-            <p:cNvPr id="55" name="Oval 54"/>
-            <p:cNvSpPr/>
-            <p:nvPr/>
-          </p:nvSpPr>
-          <p:spPr>
-            <a:xfrm>
-              <a:off x="1096107" y="1512277"/>
-              <a:ext cx="93600" cy="93785"/>
-            </a:xfrm>
-            <a:prstGeom prst="ellipse">
-              <a:avLst/>
-            </a:prstGeom>
-            <a:ln>
-              <a:noFill/>
-            </a:ln>
-          </p:spPr>
-          <p:style>
-            <a:lnRef idx="2">
-              <a:schemeClr val="accent1">
-                <a:shade val="50000"/>
-              </a:schemeClr>
-            </a:lnRef>
-            <a:fillRef idx="1">
-              <a:schemeClr val="accent1"/>
-            </a:fillRef>
-            <a:effectRef idx="0">
-              <a:schemeClr val="accent1"/>
-            </a:effectRef>
-            <a:fontRef idx="minor">
-              <a:schemeClr val="lt1"/>
-            </a:fontRef>
-          </p:style>
-          <p:txBody>
-            <a:bodyPr rtlCol="0" anchor="ctr"/>
-            <a:lstStyle/>
-            <a:p>
-              <a:pPr algn="ctr"/>
-              <a:endParaRPr lang="en-US"/>
-            </a:p>
-          </p:txBody>
-        </p:sp>
-      </p:grpSp>
-      <p:grpSp>
-        <p:nvGrpSpPr>
-          <p:cNvPr id="56" name="Group 55"/>
-          <p:cNvGrpSpPr/>
-          <p:nvPr/>
-        </p:nvGrpSpPr>
-        <p:grpSpPr>
-          <a:xfrm>
-            <a:off x="5506548" y="1099531"/>
-            <a:ext cx="1491612" cy="461665"/>
-            <a:chOff x="361406" y="1328057"/>
-            <a:chExt cx="1491612" cy="461665"/>
-          </a:xfrm>
-        </p:grpSpPr>
-        <p:sp>
-          <p:nvSpPr>
-            <p:cNvPr id="58" name="TextBox 57"/>
-            <p:cNvSpPr txBox="1"/>
-            <p:nvPr/>
-          </p:nvSpPr>
-          <p:spPr>
-            <a:xfrm>
-              <a:off x="361406" y="1328057"/>
-              <a:ext cx="786857" cy="461665"/>
-            </a:xfrm>
-            <a:prstGeom prst="rect">
-              <a:avLst/>
-            </a:prstGeom>
-            <a:noFill/>
-          </p:spPr>
-          <p:txBody>
-            <a:bodyPr wrap="square" rtlCol="0">
-              <a:spAutoFit/>
-            </a:bodyPr>
-            <a:lstStyle/>
-            <a:p>
-              <a:r>
-                <a:rPr lang="en-US" sz="2400" dirty="0" smtClean="0"/>
-                <a:t>P</a:t>
-              </a:r>
-              <a:r>
-                <a:rPr lang="en-US" sz="2400" baseline="-25000" dirty="0" smtClean="0"/>
-                <a:t>D</a:t>
-              </a:r>
-              <a:endParaRPr lang="en-US" sz="2400" dirty="0"/>
-            </a:p>
-          </p:txBody>
-        </p:sp>
-        <p:cxnSp>
-          <p:nvCxnSpPr>
-            <p:cNvPr id="59" name="Straight Arrow Connector 58"/>
-            <p:cNvCxnSpPr/>
-            <p:nvPr/>
-          </p:nvCxnSpPr>
-          <p:spPr>
-            <a:xfrm>
-              <a:off x="1148263" y="1558890"/>
-              <a:ext cx="704755" cy="4439"/>
-            </a:xfrm>
-            <a:prstGeom prst="straightConnector1">
-              <a:avLst/>
-            </a:prstGeom>
-            <a:ln w="31750">
-              <a:tailEnd type="triangle"/>
-            </a:ln>
-          </p:spPr>
-          <p:style>
-            <a:lnRef idx="1">
-              <a:schemeClr val="accent1"/>
-            </a:lnRef>
-            <a:fillRef idx="0">
-              <a:schemeClr val="accent1"/>
-            </a:fillRef>
-            <a:effectRef idx="0">
-              <a:schemeClr val="accent1"/>
-            </a:effectRef>
-            <a:fontRef idx="minor">
-              <a:schemeClr val="tx1"/>
-            </a:fontRef>
-          </p:style>
-        </p:cxnSp>
-        <p:sp>
-          <p:nvSpPr>
-            <p:cNvPr id="60" name="Oval 59"/>
-            <p:cNvSpPr/>
-            <p:nvPr/>
-          </p:nvSpPr>
-          <p:spPr>
-            <a:xfrm>
-              <a:off x="1096107" y="1512277"/>
-              <a:ext cx="93600" cy="93785"/>
-            </a:xfrm>
-            <a:prstGeom prst="ellipse">
-              <a:avLst/>
-            </a:prstGeom>
-            <a:ln>
-              <a:noFill/>
-            </a:ln>
-          </p:spPr>
-          <p:style>
-            <a:lnRef idx="2">
-              <a:schemeClr val="accent1">
-                <a:shade val="50000"/>
-              </a:schemeClr>
-            </a:lnRef>
-            <a:fillRef idx="1">
-              <a:schemeClr val="accent1"/>
-            </a:fillRef>
-            <a:effectRef idx="0">
-              <a:schemeClr val="accent1"/>
-            </a:effectRef>
-            <a:fontRef idx="minor">
-              <a:schemeClr val="lt1"/>
-            </a:fontRef>
-          </p:style>
-          <p:txBody>
-            <a:bodyPr rtlCol="0" anchor="ctr"/>
-            <a:lstStyle/>
-            <a:p>
-              <a:pPr algn="ctr"/>
-              <a:endParaRPr lang="en-US"/>
-            </a:p>
-          </p:txBody>
-        </p:sp>
-      </p:grpSp>
+            <a:off x="838200" y="773723"/>
+            <a:ext cx="10515600" cy="5403240"/>
+          </a:xfrm>
+        </p:spPr>
+        <p:txBody>
+          <a:bodyPr/>
+          <a:lstStyle/>
+          <a:p>
+            <a:r>
+              <a:rPr lang="en-US" dirty="0"/>
+              <a:t>Since there is an </a:t>
+            </a:r>
+            <a:r>
+              <a:rPr lang="en-US" b="1" dirty="0"/>
+              <a:t>inherent quasi-linear relationship</a:t>
+            </a:r>
+            <a:r>
+              <a:rPr lang="en-US" dirty="0"/>
+              <a:t> between active and reactive power consumption, the active load P should be selected as the input to forecast the reactive load Q.</a:t>
+            </a:r>
+          </a:p>
+        </p:txBody>
+      </p:sp>
     </p:spTree>
     <p:extLst>
       <p:ext uri="{BB962C8B-B14F-4D97-AF65-F5344CB8AC3E}">
-        <p14:creationId xmlns:p14="http://schemas.microsoft.com/office/powerpoint/2010/main" val="1390146025"/>
+        <p14:creationId xmlns:p14="http://schemas.microsoft.com/office/powerpoint/2010/main" val="1760852776"/>
       </p:ext>
     </p:extLst>
   </p:cSld>
@@ -7903,35 +6944,310 @@
       </p:grpSpPr>
       <p:sp>
         <p:nvSpPr>
-          <p:cNvPr id="3" name="Content Placeholder 2"/>
-          <p:cNvSpPr>
-            <a:spLocks noGrp="1"/>
-          </p:cNvSpPr>
-          <p:nvPr>
-            <p:ph idx="1"/>
-          </p:nvPr>
+          <p:cNvPr id="4" name="Rectangle 3"/>
+          <p:cNvSpPr/>
+          <p:nvPr/>
         </p:nvSpPr>
         <p:spPr>
           <a:xfrm>
-            <a:off x="838200" y="773723"/>
-            <a:ext cx="10515600" cy="5403240"/>
-          </a:xfrm>
+            <a:off x="379828" y="618978"/>
+            <a:ext cx="3530990" cy="5514536"/>
+          </a:xfrm>
+          <a:prstGeom prst="rect">
+            <a:avLst/>
+          </a:prstGeom>
+          <a:solidFill>
+            <a:schemeClr val="accent1">
+              <a:lumMod val="40000"/>
+              <a:lumOff val="60000"/>
+            </a:schemeClr>
+          </a:solidFill>
         </p:spPr>
-        <p:txBody>
-          <a:bodyPr/>
+        <p:style>
+          <a:lnRef idx="2">
+            <a:schemeClr val="accent1">
+              <a:shade val="50000"/>
+            </a:schemeClr>
+          </a:lnRef>
+          <a:fillRef idx="1">
+            <a:schemeClr val="accent1"/>
+          </a:fillRef>
+          <a:effectRef idx="0">
+            <a:schemeClr val="accent1"/>
+          </a:effectRef>
+          <a:fontRef idx="minor">
+            <a:schemeClr val="lt1"/>
+          </a:fontRef>
+        </p:style>
+        <p:txBody>
+          <a:bodyPr rtlCol="0" anchor="ctr"/>
           <a:lstStyle/>
           <a:p>
-            <a:r>
-              <a:rPr lang="en-US" dirty="0"/>
-              <a:t>Since there is an inherent quasi-linear relationship between active and reactive power consumption, the active load P should be selected as the input to forecast the reactive load Q.</a:t>
-            </a:r>
+            <a:pPr algn="ctr"/>
+            <a:r>
+              <a:rPr lang="en-US" sz="2800" dirty="0" err="1" smtClean="0"/>
+              <a:t>data_p</a:t>
+            </a:r>
+            <a:endParaRPr lang="en-US" sz="2800" dirty="0" smtClean="0"/>
+          </a:p>
+          <a:p>
+            <a:pPr algn="ctr"/>
+            <a:r>
+              <a:rPr lang="en-US" sz="2800" dirty="0" smtClean="0"/>
+              <a:t>[25152 x 63]</a:t>
+            </a:r>
+            <a:endParaRPr lang="en-US" sz="2800" dirty="0"/>
+          </a:p>
+        </p:txBody>
+      </p:sp>
+      <p:sp>
+        <p:nvSpPr>
+          <p:cNvPr id="5" name="Rectangle 4"/>
+          <p:cNvSpPr/>
+          <p:nvPr/>
+        </p:nvSpPr>
+        <p:spPr>
+          <a:xfrm>
+            <a:off x="5841610" y="618978"/>
+            <a:ext cx="2070295" cy="5514536"/>
+          </a:xfrm>
+          <a:prstGeom prst="rect">
+            <a:avLst/>
+          </a:prstGeom>
+          <a:solidFill>
+            <a:schemeClr val="accent1">
+              <a:lumMod val="60000"/>
+              <a:lumOff val="40000"/>
+            </a:schemeClr>
+          </a:solidFill>
+        </p:spPr>
+        <p:style>
+          <a:lnRef idx="2">
+            <a:schemeClr val="accent1">
+              <a:shade val="50000"/>
+            </a:schemeClr>
+          </a:lnRef>
+          <a:fillRef idx="1">
+            <a:schemeClr val="accent1"/>
+          </a:fillRef>
+          <a:effectRef idx="0">
+            <a:schemeClr val="accent1"/>
+          </a:effectRef>
+          <a:fontRef idx="minor">
+            <a:schemeClr val="lt1"/>
+          </a:fontRef>
+        </p:style>
+        <p:txBody>
+          <a:bodyPr rtlCol="0" anchor="ctr"/>
+          <a:lstStyle/>
+          <a:p>
+            <a:pPr algn="ctr"/>
+            <a:r>
+              <a:rPr lang="en-US" sz="2800" dirty="0" err="1" smtClean="0"/>
+              <a:t>sum_p</a:t>
+            </a:r>
+            <a:endParaRPr lang="en-US" sz="2800" dirty="0" smtClean="0"/>
+          </a:p>
+          <a:p>
+            <a:pPr algn="ctr"/>
+            <a:r>
+              <a:rPr lang="en-US" sz="2800" dirty="0" smtClean="0"/>
+              <a:t>[25152 x 1]</a:t>
+            </a:r>
+            <a:endParaRPr lang="en-US" sz="2800" dirty="0"/>
+          </a:p>
+        </p:txBody>
+      </p:sp>
+      <p:cxnSp>
+        <p:nvCxnSpPr>
+          <p:cNvPr id="7" name="Straight Arrow Connector 6"/>
+          <p:cNvCxnSpPr>
+            <a:stCxn id="4" idx="3"/>
+            <a:endCxn id="5" idx="1"/>
+          </p:cNvCxnSpPr>
+          <p:nvPr/>
+        </p:nvCxnSpPr>
+        <p:spPr>
+          <a:xfrm>
+            <a:off x="3910818" y="3376246"/>
+            <a:ext cx="1930792" cy="0"/>
+          </a:xfrm>
+          <a:prstGeom prst="straightConnector1">
+            <a:avLst/>
+          </a:prstGeom>
+          <a:ln w="31750">
+            <a:tailEnd type="triangle"/>
+          </a:ln>
+        </p:spPr>
+        <p:style>
+          <a:lnRef idx="1">
+            <a:schemeClr val="accent1"/>
+          </a:lnRef>
+          <a:fillRef idx="0">
+            <a:schemeClr val="accent1"/>
+          </a:fillRef>
+          <a:effectRef idx="0">
+            <a:schemeClr val="accent1"/>
+          </a:effectRef>
+          <a:fontRef idx="minor">
+            <a:schemeClr val="tx1"/>
+          </a:fontRef>
+        </p:style>
+      </p:cxnSp>
+      <p:sp>
+        <p:nvSpPr>
+          <p:cNvPr id="8" name="Rectangle 7"/>
+          <p:cNvSpPr/>
+          <p:nvPr/>
+        </p:nvSpPr>
+        <p:spPr>
+          <a:xfrm>
+            <a:off x="9842697" y="618978"/>
+            <a:ext cx="2070295" cy="5514536"/>
+          </a:xfrm>
+          <a:prstGeom prst="rect">
+            <a:avLst/>
+          </a:prstGeom>
+        </p:spPr>
+        <p:style>
+          <a:lnRef idx="2">
+            <a:schemeClr val="accent1">
+              <a:shade val="50000"/>
+            </a:schemeClr>
+          </a:lnRef>
+          <a:fillRef idx="1">
+            <a:schemeClr val="accent1"/>
+          </a:fillRef>
+          <a:effectRef idx="0">
+            <a:schemeClr val="accent1"/>
+          </a:effectRef>
+          <a:fontRef idx="minor">
+            <a:schemeClr val="lt1"/>
+          </a:fontRef>
+        </p:style>
+        <p:txBody>
+          <a:bodyPr rtlCol="0" anchor="ctr"/>
+          <a:lstStyle/>
+          <a:p>
+            <a:pPr algn="ctr"/>
+            <a:r>
+              <a:rPr lang="en-US" sz="2800" dirty="0" err="1" smtClean="0"/>
+              <a:t>norm_p</a:t>
+            </a:r>
+            <a:endParaRPr lang="en-US" sz="2800" dirty="0" smtClean="0"/>
+          </a:p>
+          <a:p>
+            <a:pPr algn="ctr"/>
+            <a:r>
+              <a:rPr lang="en-US" sz="2800" dirty="0" smtClean="0"/>
+              <a:t>[25152 x 1]</a:t>
+            </a:r>
+            <a:endParaRPr lang="en-US" sz="2800" dirty="0"/>
+          </a:p>
+        </p:txBody>
+      </p:sp>
+      <p:cxnSp>
+        <p:nvCxnSpPr>
+          <p:cNvPr id="13" name="Straight Arrow Connector 12"/>
+          <p:cNvCxnSpPr>
+            <a:stCxn id="5" idx="3"/>
+            <a:endCxn id="8" idx="1"/>
+          </p:cNvCxnSpPr>
+          <p:nvPr/>
+        </p:nvCxnSpPr>
+        <p:spPr>
+          <a:xfrm>
+            <a:off x="7911905" y="3376246"/>
+            <a:ext cx="1930792" cy="0"/>
+          </a:xfrm>
+          <a:prstGeom prst="straightConnector1">
+            <a:avLst/>
+          </a:prstGeom>
+          <a:ln w="31750">
+            <a:tailEnd type="triangle"/>
+          </a:ln>
+        </p:spPr>
+        <p:style>
+          <a:lnRef idx="1">
+            <a:schemeClr val="accent1"/>
+          </a:lnRef>
+          <a:fillRef idx="0">
+            <a:schemeClr val="accent1"/>
+          </a:fillRef>
+          <a:effectRef idx="0">
+            <a:schemeClr val="accent1"/>
+          </a:effectRef>
+          <a:fontRef idx="minor">
+            <a:schemeClr val="tx1"/>
+          </a:fontRef>
+        </p:style>
+      </p:cxnSp>
+      <p:sp>
+        <p:nvSpPr>
+          <p:cNvPr id="16" name="TextBox 15"/>
+          <p:cNvSpPr txBox="1"/>
+          <p:nvPr/>
+        </p:nvSpPr>
+        <p:spPr>
+          <a:xfrm>
+            <a:off x="4032152" y="2729915"/>
+            <a:ext cx="1688123" cy="646331"/>
+          </a:xfrm>
+          <a:prstGeom prst="rect">
+            <a:avLst/>
+          </a:prstGeom>
+          <a:noFill/>
+        </p:spPr>
+        <p:txBody>
+          <a:bodyPr wrap="square" rtlCol="0">
+            <a:spAutoFit/>
+          </a:bodyPr>
+          <a:lstStyle/>
+          <a:p>
+            <a:pPr algn="ctr"/>
+            <a:r>
+              <a:rPr lang="en-US" dirty="0" smtClean="0"/>
+              <a:t>Sum 63 items into 1</a:t>
+            </a:r>
+            <a:endParaRPr lang="en-US" dirty="0"/>
+          </a:p>
+        </p:txBody>
+      </p:sp>
+      <p:sp>
+        <p:nvSpPr>
+          <p:cNvPr id="17" name="TextBox 16"/>
+          <p:cNvSpPr txBox="1"/>
+          <p:nvPr/>
+        </p:nvSpPr>
+        <p:spPr>
+          <a:xfrm>
+            <a:off x="8033239" y="3006914"/>
+            <a:ext cx="1688123" cy="369332"/>
+          </a:xfrm>
+          <a:prstGeom prst="rect">
+            <a:avLst/>
+          </a:prstGeom>
+          <a:noFill/>
+        </p:spPr>
+        <p:txBody>
+          <a:bodyPr wrap="square" rtlCol="0">
+            <a:spAutoFit/>
+          </a:bodyPr>
+          <a:lstStyle/>
+          <a:p>
+            <a:pPr algn="ctr"/>
+            <a:r>
+              <a:rPr lang="en-US" dirty="0" smtClean="0"/>
+              <a:t>Normalization</a:t>
+            </a:r>
+            <a:endParaRPr lang="en-US" dirty="0"/>
           </a:p>
         </p:txBody>
       </p:sp>
     </p:spTree>
     <p:extLst>
       <p:ext uri="{BB962C8B-B14F-4D97-AF65-F5344CB8AC3E}">
-        <p14:creationId xmlns:p14="http://schemas.microsoft.com/office/powerpoint/2010/main" val="1760852776"/>
+        <p14:creationId xmlns:p14="http://schemas.microsoft.com/office/powerpoint/2010/main" val="331407669"/>
       </p:ext>
     </p:extLst>
   </p:cSld>
@@ -8002,7 +7318,7 @@
             <a:pPr algn="ctr"/>
             <a:r>
               <a:rPr lang="en-US" sz="2800" dirty="0" err="1" smtClean="0"/>
-              <a:t>data_p</a:t>
+              <a:t>data_q</a:t>
             </a:r>
             <a:endParaRPr lang="en-US" sz="2800" dirty="0" smtClean="0"/>
           </a:p>
@@ -8060,7 +7376,7 @@
             <a:pPr algn="ctr"/>
             <a:r>
               <a:rPr lang="en-US" sz="2800" dirty="0" err="1" smtClean="0"/>
-              <a:t>sum_p</a:t>
+              <a:t>sum_q</a:t>
             </a:r>
             <a:endParaRPr lang="en-US" sz="2800" dirty="0" smtClean="0"/>
           </a:p>
@@ -8148,7 +7464,7 @@
             <a:pPr algn="ctr"/>
             <a:r>
               <a:rPr lang="en-US" sz="2800" dirty="0" err="1" smtClean="0"/>
-              <a:t>norm_p</a:t>
+              <a:t>norm_q</a:t>
             </a:r>
             <a:endParaRPr lang="en-US" sz="2800" dirty="0" smtClean="0"/>
           </a:p>
@@ -8263,7 +7579,7 @@
     </p:spTree>
     <p:extLst>
       <p:ext uri="{BB962C8B-B14F-4D97-AF65-F5344CB8AC3E}">
-        <p14:creationId xmlns:p14="http://schemas.microsoft.com/office/powerpoint/2010/main" val="331407669"/>
+        <p14:creationId xmlns:p14="http://schemas.microsoft.com/office/powerpoint/2010/main" val="1203621406"/>
       </p:ext>
     </p:extLst>
   </p:cSld>
@@ -8334,7 +7650,7 @@
             <a:pPr algn="ctr"/>
             <a:r>
               <a:rPr lang="en-US" sz="2800" dirty="0" err="1" smtClean="0"/>
-              <a:t>data_q</a:t>
+              <a:t>data_w</a:t>
             </a:r>
             <a:endParaRPr lang="en-US" sz="2800" dirty="0" smtClean="0"/>
           </a:p>
@@ -8342,7 +7658,7 @@
             <a:pPr algn="ctr"/>
             <a:r>
               <a:rPr lang="en-US" sz="2800" dirty="0" smtClean="0"/>
-              <a:t>[25152 x 63]</a:t>
+              <a:t>[25152 x 5]</a:t>
             </a:r>
             <a:endParaRPr lang="en-US" sz="2800" dirty="0"/>
           </a:p>
@@ -8392,7 +7708,7 @@
             <a:pPr algn="ctr"/>
             <a:r>
               <a:rPr lang="en-US" sz="2800" dirty="0" err="1" smtClean="0"/>
-              <a:t>sum_q</a:t>
+              <a:t>select_w</a:t>
             </a:r>
             <a:endParaRPr lang="en-US" sz="2800" dirty="0" smtClean="0"/>
           </a:p>
@@ -8480,7 +7796,7 @@
             <a:pPr algn="ctr"/>
             <a:r>
               <a:rPr lang="en-US" sz="2800" dirty="0" err="1" smtClean="0"/>
-              <a:t>norm_q</a:t>
+              <a:t>norm_w</a:t>
             </a:r>
             <a:endParaRPr lang="en-US" sz="2800" dirty="0" smtClean="0"/>
           </a:p>
@@ -8532,14 +7848,14 @@
       </p:cxnSp>
       <p:sp>
         <p:nvSpPr>
-          <p:cNvPr id="16" name="TextBox 15"/>
+          <p:cNvPr id="17" name="TextBox 16"/>
           <p:cNvSpPr txBox="1"/>
           <p:nvPr/>
         </p:nvSpPr>
         <p:spPr>
           <a:xfrm>
-            <a:off x="4032152" y="2729915"/>
-            <a:ext cx="1688123" cy="646331"/>
+            <a:off x="8033239" y="3006914"/>
+            <a:ext cx="1688123" cy="369332"/>
           </a:xfrm>
           <a:prstGeom prst="rect">
             <a:avLst/>
@@ -8555,7 +7871,7 @@
             <a:pPr algn="ctr"/>
             <a:r>
               <a:rPr lang="en-US" dirty="0" smtClean="0"/>
-              <a:t>Sum 63 items into 1</a:t>
+              <a:t>Normalization</a:t>
             </a:r>
             <a:endParaRPr lang="en-US" dirty="0"/>
           </a:p>
@@ -8563,13 +7879,13 @@
       </p:sp>
       <p:sp>
         <p:nvSpPr>
-          <p:cNvPr id="17" name="TextBox 16"/>
+          <p:cNvPr id="9" name="TextBox 8"/>
           <p:cNvSpPr txBox="1"/>
           <p:nvPr/>
         </p:nvSpPr>
         <p:spPr>
           <a:xfrm>
-            <a:off x="8033239" y="3006914"/>
+            <a:off x="4032152" y="3006914"/>
             <a:ext cx="1688123" cy="369332"/>
           </a:xfrm>
           <a:prstGeom prst="rect">
@@ -8585,8 +7901,8 @@
           <a:p>
             <a:pPr algn="ctr"/>
             <a:r>
-              <a:rPr lang="en-US" dirty="0" smtClean="0"/>
-              <a:t>Normalization</a:t>
+              <a:rPr lang="en-US" smtClean="0"/>
+              <a:t>Selection</a:t>
             </a:r>
             <a:endParaRPr lang="en-US" dirty="0"/>
           </a:p>
@@ -8595,7 +7911,7 @@
     </p:spTree>
     <p:extLst>
       <p:ext uri="{BB962C8B-B14F-4D97-AF65-F5344CB8AC3E}">
-        <p14:creationId xmlns:p14="http://schemas.microsoft.com/office/powerpoint/2010/main" val="1203621406"/>
+        <p14:creationId xmlns:p14="http://schemas.microsoft.com/office/powerpoint/2010/main" val="1268111935"/>
       </p:ext>
     </p:extLst>
   </p:cSld>
@@ -8680,77 +7996,19 @@
           </a:p>
         </p:txBody>
       </p:sp>
-      <p:sp>
-        <p:nvSpPr>
-          <p:cNvPr id="5" name="Rectangle 4"/>
-          <p:cNvSpPr/>
-          <p:nvPr/>
-        </p:nvSpPr>
-        <p:spPr>
-          <a:xfrm>
-            <a:off x="5841610" y="618978"/>
-            <a:ext cx="2070295" cy="5514536"/>
-          </a:xfrm>
-          <a:prstGeom prst="rect">
-            <a:avLst/>
-          </a:prstGeom>
-          <a:solidFill>
-            <a:schemeClr val="accent1">
-              <a:lumMod val="60000"/>
-              <a:lumOff val="40000"/>
-            </a:schemeClr>
-          </a:solidFill>
-        </p:spPr>
-        <p:style>
-          <a:lnRef idx="2">
-            <a:schemeClr val="accent1">
-              <a:shade val="50000"/>
-            </a:schemeClr>
-          </a:lnRef>
-          <a:fillRef idx="1">
-            <a:schemeClr val="accent1"/>
-          </a:fillRef>
-          <a:effectRef idx="0">
-            <a:schemeClr val="accent1"/>
-          </a:effectRef>
-          <a:fontRef idx="minor">
-            <a:schemeClr val="lt1"/>
-          </a:fontRef>
-        </p:style>
-        <p:txBody>
-          <a:bodyPr rtlCol="0" anchor="ctr"/>
-          <a:lstStyle/>
-          <a:p>
-            <a:pPr algn="ctr"/>
-            <a:r>
-              <a:rPr lang="en-US" sz="2800" dirty="0" err="1" smtClean="0"/>
-              <a:t>select_w</a:t>
-            </a:r>
-            <a:endParaRPr lang="en-US" sz="2800" dirty="0" smtClean="0"/>
-          </a:p>
-          <a:p>
-            <a:pPr algn="ctr"/>
-            <a:r>
-              <a:rPr lang="en-US" sz="2800" dirty="0" smtClean="0"/>
-              <a:t>[25152 x 1]</a:t>
-            </a:r>
-            <a:endParaRPr lang="en-US" sz="2800" dirty="0"/>
-          </a:p>
-        </p:txBody>
-      </p:sp>
       <p:cxnSp>
         <p:nvCxnSpPr>
           <p:cNvPr id="7" name="Straight Arrow Connector 6"/>
           <p:cNvCxnSpPr>
             <a:stCxn id="4" idx="3"/>
-            <a:endCxn id="5" idx="1"/>
+            <a:endCxn id="8" idx="1"/>
           </p:cNvCxnSpPr>
           <p:nvPr/>
         </p:nvCxnSpPr>
         <p:spPr>
           <a:xfrm>
             <a:off x="3910818" y="3376246"/>
-            <a:ext cx="1930792" cy="0"/>
+            <a:ext cx="5931879" cy="0"/>
           </a:xfrm>
           <a:prstGeom prst="straightConnector1">
             <a:avLst/>
@@ -8820,48 +8078,12 @@
             <a:pPr algn="ctr"/>
             <a:r>
               <a:rPr lang="en-US" sz="2800" dirty="0" smtClean="0"/>
-              <a:t>[25152 x 1]</a:t>
+              <a:t>[25152 x 5]</a:t>
             </a:r>
             <a:endParaRPr lang="en-US" sz="2800" dirty="0"/>
           </a:p>
         </p:txBody>
       </p:sp>
-      <p:cxnSp>
-        <p:nvCxnSpPr>
-          <p:cNvPr id="13" name="Straight Arrow Connector 12"/>
-          <p:cNvCxnSpPr>
-            <a:stCxn id="5" idx="3"/>
-            <a:endCxn id="8" idx="1"/>
-          </p:cNvCxnSpPr>
-          <p:nvPr/>
-        </p:nvCxnSpPr>
-        <p:spPr>
-          <a:xfrm>
-            <a:off x="7911905" y="3376246"/>
-            <a:ext cx="1930792" cy="0"/>
-          </a:xfrm>
-          <a:prstGeom prst="straightConnector1">
-            <a:avLst/>
-          </a:prstGeom>
-          <a:ln w="31750">
-            <a:tailEnd type="triangle"/>
-          </a:ln>
-        </p:spPr>
-        <p:style>
-          <a:lnRef idx="1">
-            <a:schemeClr val="accent1"/>
-          </a:lnRef>
-          <a:fillRef idx="0">
-            <a:schemeClr val="accent1"/>
-          </a:fillRef>
-          <a:effectRef idx="0">
-            <a:schemeClr val="accent1"/>
-          </a:effectRef>
-          <a:fontRef idx="minor">
-            <a:schemeClr val="tx1"/>
-          </a:fontRef>
-        </p:style>
-      </p:cxnSp>
       <p:sp>
         <p:nvSpPr>
           <p:cNvPr id="17" name="TextBox 16"/>
@@ -8893,41 +8115,10 @@
           </a:p>
         </p:txBody>
       </p:sp>
-      <p:sp>
-        <p:nvSpPr>
-          <p:cNvPr id="9" name="TextBox 8"/>
-          <p:cNvSpPr txBox="1"/>
-          <p:nvPr/>
-        </p:nvSpPr>
-        <p:spPr>
-          <a:xfrm>
-            <a:off x="4032152" y="3006914"/>
-            <a:ext cx="1688123" cy="369332"/>
-          </a:xfrm>
-          <a:prstGeom prst="rect">
-            <a:avLst/>
-          </a:prstGeom>
-          <a:noFill/>
-        </p:spPr>
-        <p:txBody>
-          <a:bodyPr wrap="square" rtlCol="0">
-            <a:spAutoFit/>
-          </a:bodyPr>
-          <a:lstStyle/>
-          <a:p>
-            <a:pPr algn="ctr"/>
-            <a:r>
-              <a:rPr lang="en-US" smtClean="0"/>
-              <a:t>Selection</a:t>
-            </a:r>
-            <a:endParaRPr lang="en-US" dirty="0"/>
-          </a:p>
-        </p:txBody>
-      </p:sp>
     </p:spTree>
     <p:extLst>
       <p:ext uri="{BB962C8B-B14F-4D97-AF65-F5344CB8AC3E}">
-        <p14:creationId xmlns:p14="http://schemas.microsoft.com/office/powerpoint/2010/main" val="1268111935"/>
+        <p14:creationId xmlns:p14="http://schemas.microsoft.com/office/powerpoint/2010/main" val="691013394"/>
       </p:ext>
     </p:extLst>
   </p:cSld>
@@ -8956,213 +8147,6 @@
       </p:grpSpPr>
       <p:sp>
         <p:nvSpPr>
-          <p:cNvPr id="4" name="Rectangle 3"/>
-          <p:cNvSpPr/>
-          <p:nvPr/>
-        </p:nvSpPr>
-        <p:spPr>
-          <a:xfrm>
-            <a:off x="379828" y="618978"/>
-            <a:ext cx="3530990" cy="5514536"/>
-          </a:xfrm>
-          <a:prstGeom prst="rect">
-            <a:avLst/>
-          </a:prstGeom>
-          <a:solidFill>
-            <a:schemeClr val="accent1">
-              <a:lumMod val="40000"/>
-              <a:lumOff val="60000"/>
-            </a:schemeClr>
-          </a:solidFill>
-        </p:spPr>
-        <p:style>
-          <a:lnRef idx="2">
-            <a:schemeClr val="accent1">
-              <a:shade val="50000"/>
-            </a:schemeClr>
-          </a:lnRef>
-          <a:fillRef idx="1">
-            <a:schemeClr val="accent1"/>
-          </a:fillRef>
-          <a:effectRef idx="0">
-            <a:schemeClr val="accent1"/>
-          </a:effectRef>
-          <a:fontRef idx="minor">
-            <a:schemeClr val="lt1"/>
-          </a:fontRef>
-        </p:style>
-        <p:txBody>
-          <a:bodyPr rtlCol="0" anchor="ctr"/>
-          <a:lstStyle/>
-          <a:p>
-            <a:pPr algn="ctr"/>
-            <a:r>
-              <a:rPr lang="en-US" sz="2800" dirty="0" err="1" smtClean="0"/>
-              <a:t>data_w</a:t>
-            </a:r>
-            <a:endParaRPr lang="en-US" sz="2800" dirty="0" smtClean="0"/>
-          </a:p>
-          <a:p>
-            <a:pPr algn="ctr"/>
-            <a:r>
-              <a:rPr lang="en-US" sz="2800" dirty="0" smtClean="0"/>
-              <a:t>[25152 x 5]</a:t>
-            </a:r>
-            <a:endParaRPr lang="en-US" sz="2800" dirty="0"/>
-          </a:p>
-        </p:txBody>
-      </p:sp>
-      <p:cxnSp>
-        <p:nvCxnSpPr>
-          <p:cNvPr id="7" name="Straight Arrow Connector 6"/>
-          <p:cNvCxnSpPr>
-            <a:stCxn id="4" idx="3"/>
-            <a:endCxn id="8" idx="1"/>
-          </p:cNvCxnSpPr>
-          <p:nvPr/>
-        </p:nvCxnSpPr>
-        <p:spPr>
-          <a:xfrm>
-            <a:off x="3910818" y="3376246"/>
-            <a:ext cx="5931879" cy="0"/>
-          </a:xfrm>
-          <a:prstGeom prst="straightConnector1">
-            <a:avLst/>
-          </a:prstGeom>
-          <a:ln w="31750">
-            <a:tailEnd type="triangle"/>
-          </a:ln>
-        </p:spPr>
-        <p:style>
-          <a:lnRef idx="1">
-            <a:schemeClr val="accent1"/>
-          </a:lnRef>
-          <a:fillRef idx="0">
-            <a:schemeClr val="accent1"/>
-          </a:fillRef>
-          <a:effectRef idx="0">
-            <a:schemeClr val="accent1"/>
-          </a:effectRef>
-          <a:fontRef idx="minor">
-            <a:schemeClr val="tx1"/>
-          </a:fontRef>
-        </p:style>
-      </p:cxnSp>
-      <p:sp>
-        <p:nvSpPr>
-          <p:cNvPr id="8" name="Rectangle 7"/>
-          <p:cNvSpPr/>
-          <p:nvPr/>
-        </p:nvSpPr>
-        <p:spPr>
-          <a:xfrm>
-            <a:off x="9842697" y="618978"/>
-            <a:ext cx="2070295" cy="5514536"/>
-          </a:xfrm>
-          <a:prstGeom prst="rect">
-            <a:avLst/>
-          </a:prstGeom>
-        </p:spPr>
-        <p:style>
-          <a:lnRef idx="2">
-            <a:schemeClr val="accent1">
-              <a:shade val="50000"/>
-            </a:schemeClr>
-          </a:lnRef>
-          <a:fillRef idx="1">
-            <a:schemeClr val="accent1"/>
-          </a:fillRef>
-          <a:effectRef idx="0">
-            <a:schemeClr val="accent1"/>
-          </a:effectRef>
-          <a:fontRef idx="minor">
-            <a:schemeClr val="lt1"/>
-          </a:fontRef>
-        </p:style>
-        <p:txBody>
-          <a:bodyPr rtlCol="0" anchor="ctr"/>
-          <a:lstStyle/>
-          <a:p>
-            <a:pPr algn="ctr"/>
-            <a:r>
-              <a:rPr lang="en-US" sz="2800" dirty="0" err="1" smtClean="0"/>
-              <a:t>norm_w</a:t>
-            </a:r>
-            <a:endParaRPr lang="en-US" sz="2800" dirty="0" smtClean="0"/>
-          </a:p>
-          <a:p>
-            <a:pPr algn="ctr"/>
-            <a:r>
-              <a:rPr lang="en-US" sz="2800" dirty="0" smtClean="0"/>
-              <a:t>[25152 x 5]</a:t>
-            </a:r>
-            <a:endParaRPr lang="en-US" sz="2800" dirty="0"/>
-          </a:p>
-        </p:txBody>
-      </p:sp>
-      <p:sp>
-        <p:nvSpPr>
-          <p:cNvPr id="17" name="TextBox 16"/>
-          <p:cNvSpPr txBox="1"/>
-          <p:nvPr/>
-        </p:nvSpPr>
-        <p:spPr>
-          <a:xfrm>
-            <a:off x="8033239" y="3006914"/>
-            <a:ext cx="1688123" cy="369332"/>
-          </a:xfrm>
-          <a:prstGeom prst="rect">
-            <a:avLst/>
-          </a:prstGeom>
-          <a:noFill/>
-        </p:spPr>
-        <p:txBody>
-          <a:bodyPr wrap="square" rtlCol="0">
-            <a:spAutoFit/>
-          </a:bodyPr>
-          <a:lstStyle/>
-          <a:p>
-            <a:pPr algn="ctr"/>
-            <a:r>
-              <a:rPr lang="en-US" dirty="0" smtClean="0"/>
-              <a:t>Normalization</a:t>
-            </a:r>
-            <a:endParaRPr lang="en-US" dirty="0"/>
-          </a:p>
-        </p:txBody>
-      </p:sp>
-    </p:spTree>
-    <p:extLst>
-      <p:ext uri="{BB962C8B-B14F-4D97-AF65-F5344CB8AC3E}">
-        <p14:creationId xmlns:p14="http://schemas.microsoft.com/office/powerpoint/2010/main" val="691013394"/>
-      </p:ext>
-    </p:extLst>
-  </p:cSld>
-  <p:clrMapOvr>
-    <a:masterClrMapping/>
-  </p:clrMapOvr>
-</p:sld>
-</file>
-
-<file path=ppt/slides/slide9.xml><?xml version="1.0" encoding="utf-8"?>
-<p:sld xmlns:a="http://schemas.openxmlformats.org/drawingml/2006/main" xmlns:r="http://schemas.openxmlformats.org/officeDocument/2006/relationships" xmlns:p="http://schemas.openxmlformats.org/presentationml/2006/main">
-  <p:cSld>
-    <p:spTree>
-      <p:nvGrpSpPr>
-        <p:cNvPr id="1" name=""/>
-        <p:cNvGrpSpPr/>
-        <p:nvPr/>
-      </p:nvGrpSpPr>
-      <p:grpSpPr>
-        <a:xfrm>
-          <a:off x="0" y="0"/>
-          <a:ext cx="0" cy="0"/>
-          <a:chOff x="0" y="0"/>
-          <a:chExt cx="0" cy="0"/>
-        </a:xfrm>
-      </p:grpSpPr>
-      <p:sp>
-        <p:nvSpPr>
           <p:cNvPr id="3" name="Content Placeholder 2"/>
           <p:cNvSpPr>
             <a:spLocks noGrp="1"/>
@@ -9180,6 +8164,32 @@
         <p:txBody>
           <a:bodyPr/>
           <a:lstStyle/>
+          <a:p>
+            <a:r>
+              <a:rPr lang="en-US" dirty="0" smtClean="0"/>
+              <a:t>The number of columns of power data = 63</a:t>
+            </a:r>
+          </a:p>
+          <a:p>
+            <a:pPr lvl="1"/>
+            <a:r>
+              <a:rPr lang="en-US" dirty="0" smtClean="0"/>
+              <a:t>63 different utilities</a:t>
+            </a:r>
+          </a:p>
+          <a:p>
+            <a:r>
+              <a:rPr lang="en-US" dirty="0" smtClean="0"/>
+              <a:t>The number of columns of weather data = 5</a:t>
+            </a:r>
+          </a:p>
+          <a:p>
+            <a:pPr lvl="1"/>
+            <a:r>
+              <a:rPr lang="en-US" dirty="0" smtClean="0"/>
+              <a:t>[ Temperature, Wind Speed, Humidity, ___, ___ ]</a:t>
+            </a:r>
+          </a:p>
           <a:p>
             <a:r>
               <a:rPr lang="en-US" dirty="0" smtClean="0"/>

--- a/etc/figures.pptx
+++ b/etc/figures.pptx
@@ -5,7 +5,7 @@
     <p:sldMasterId id="2147483648" r:id="rId1"/>
   </p:sldMasterIdLst>
   <p:notesMasterIdLst>
-    <p:notesMasterId r:id="rId16"/>
+    <p:notesMasterId r:id="rId17"/>
   </p:notesMasterIdLst>
   <p:sldIdLst>
     <p:sldId id="256" r:id="rId2"/>
@@ -22,6 +22,7 @@
     <p:sldId id="267" r:id="rId13"/>
     <p:sldId id="268" r:id="rId14"/>
     <p:sldId id="266" r:id="rId15"/>
+    <p:sldId id="271" r:id="rId16"/>
   </p:sldIdLst>
   <p:sldSz cx="12192000" cy="6858000"/>
   <p:notesSz cx="6858000" cy="9144000"/>
@@ -254,7 +255,7 @@
                   <c:v>644.07</c:v>
                 </c:pt>
                 <c:pt idx="14">
-                  <c:v>618.4499999999998</c:v>
+                  <c:v>618.4499999999997</c:v>
                 </c:pt>
                 <c:pt idx="15">
                   <c:v>628.54</c:v>
@@ -272,7 +273,7 @@
                   <c:v>598.75</c:v>
                 </c:pt>
                 <c:pt idx="20">
-                  <c:v>591.8499999999998</c:v>
+                  <c:v>591.8499999999997</c:v>
                 </c:pt>
                 <c:pt idx="21">
                   <c:v>599.6</c:v>
@@ -290,7 +291,7 @@
                   <c:v>581.25</c:v>
                 </c:pt>
                 <c:pt idx="26">
-                  <c:v>574.3499999999998</c:v>
+                  <c:v>574.3499999999997</c:v>
                 </c:pt>
                 <c:pt idx="27">
                   <c:v>582.59</c:v>
@@ -314,10 +315,10 @@
                   <c:v>585.48</c:v>
                 </c:pt>
                 <c:pt idx="34">
-                  <c:v>585.8299999999998</c:v>
+                  <c:v>585.8299999999997</c:v>
                 </c:pt>
                 <c:pt idx="35">
-                  <c:v>579.8599999999998</c:v>
+                  <c:v>579.8599999999997</c:v>
                 </c:pt>
                 <c:pt idx="36">
                   <c:v>593.14</c:v>
@@ -341,7 +342,7 @@
                   <c:v>565.99</c:v>
                 </c:pt>
                 <c:pt idx="43">
-                  <c:v>587.5599999999997</c:v>
+                  <c:v>587.5599999999996</c:v>
                 </c:pt>
                 <c:pt idx="44">
                   <c:v>572.11</c:v>
@@ -353,7 +354,7 @@
                   <c:v>580.76</c:v>
                 </c:pt>
                 <c:pt idx="47">
-                  <c:v>565.8299999999998</c:v>
+                  <c:v>565.8299999999997</c:v>
                 </c:pt>
                 <c:pt idx="48">
                   <c:v>575.28</c:v>
@@ -398,7 +399,7 @@
                   <c:v>588.47</c:v>
                 </c:pt>
                 <c:pt idx="62">
-                  <c:v>596.8299999999998</c:v>
+                  <c:v>596.8299999999997</c:v>
                 </c:pt>
                 <c:pt idx="63">
                   <c:v>589.8</c:v>
@@ -422,16 +423,16 @@
                   <c:v>598.13</c:v>
                 </c:pt>
                 <c:pt idx="70">
-                  <c:v>602.3399999999998</c:v>
+                  <c:v>602.3399999999997</c:v>
                 </c:pt>
                 <c:pt idx="71">
-                  <c:v>595.8099999999997</c:v>
+                  <c:v>595.8099999999996</c:v>
                 </c:pt>
                 <c:pt idx="72">
                   <c:v>592.75</c:v>
                 </c:pt>
                 <c:pt idx="73">
-                  <c:v>587.8499999999998</c:v>
+                  <c:v>587.8499999999997</c:v>
                 </c:pt>
                 <c:pt idx="74">
                   <c:v>592.53</c:v>
@@ -443,7 +444,7 @@
                   <c:v>599.62</c:v>
                 </c:pt>
                 <c:pt idx="77">
-                  <c:v>584.3499999999998</c:v>
+                  <c:v>584.3499999999997</c:v>
                 </c:pt>
                 <c:pt idx="78">
                   <c:v>610.12</c:v>
@@ -500,28 +501,28 @@
                   <c:v>609.67</c:v>
                 </c:pt>
                 <c:pt idx="96">
-                  <c:v>612.3299999999998</c:v>
+                  <c:v>612.3299999999997</c:v>
                 </c:pt>
                 <c:pt idx="97">
                   <c:v>625.2</c:v>
                 </c:pt>
                 <c:pt idx="98">
-                  <c:v>609.8199999999998</c:v>
+                  <c:v>609.8199999999997</c:v>
                 </c:pt>
                 <c:pt idx="99">
-                  <c:v>633.8199999999998</c:v>
+                  <c:v>633.8199999999997</c:v>
                 </c:pt>
                 <c:pt idx="100">
                   <c:v>640.15</c:v>
                 </c:pt>
                 <c:pt idx="101">
-                  <c:v>607.8299999999998</c:v>
+                  <c:v>607.8299999999997</c:v>
                 </c:pt>
                 <c:pt idx="102">
                   <c:v>615.66</c:v>
                 </c:pt>
                 <c:pt idx="103">
-                  <c:v>620.8299999999998</c:v>
+                  <c:v>620.8299999999997</c:v>
                 </c:pt>
                 <c:pt idx="104">
                   <c:v>630.11</c:v>
@@ -578,7 +579,7 @@
                   <c:v>662.08</c:v>
                 </c:pt>
                 <c:pt idx="122">
-                  <c:v>643.8399999999998</c:v>
+                  <c:v>643.8399999999997</c:v>
                 </c:pt>
                 <c:pt idx="123">
                   <c:v>669.74</c:v>
@@ -587,7 +588,7 @@
                   <c:v>650.75</c:v>
                 </c:pt>
                 <c:pt idx="125">
-                  <c:v>662.3599999999998</c:v>
+                  <c:v>662.3599999999997</c:v>
                 </c:pt>
                 <c:pt idx="126">
                   <c:v>650.61</c:v>
@@ -632,16 +633,16 @@
                   <c:v>702.11</c:v>
                 </c:pt>
                 <c:pt idx="140">
-                  <c:v>679.3499999999998</c:v>
+                  <c:v>679.3499999999997</c:v>
                 </c:pt>
                 <c:pt idx="141">
-                  <c:v>700.9599999999998</c:v>
+                  <c:v>700.9599999999997</c:v>
                 </c:pt>
                 <c:pt idx="142">
                   <c:v>688.47</c:v>
                 </c:pt>
                 <c:pt idx="143">
-                  <c:v>709.3199999999998</c:v>
+                  <c:v>709.3199999999997</c:v>
                 </c:pt>
                 <c:pt idx="144">
                   <c:v>703.78</c:v>
@@ -656,7 +657,7 @@
                   <c:v>690.41</c:v>
                 </c:pt>
                 <c:pt idx="148">
-                  <c:v>707.9499999999998</c:v>
+                  <c:v>707.9499999999997</c:v>
                 </c:pt>
                 <c:pt idx="149">
                   <c:v>703.64</c:v>
@@ -675,11 +676,11 @@
           <c:showBubbleSize val="0"/>
         </c:dLbls>
         <c:smooth val="0"/>
-        <c:axId val="-1603796576"/>
-        <c:axId val="-1603794528"/>
+        <c:axId val="-1599136720"/>
+        <c:axId val="-1599134400"/>
       </c:lineChart>
       <c:catAx>
-        <c:axId val="-1603796576"/>
+        <c:axId val="-1599136720"/>
         <c:scaling>
           <c:orientation val="minMax"/>
         </c:scaling>
@@ -721,7 +722,7 @@
             <a:endParaRPr lang="en-US"/>
           </a:p>
         </c:txPr>
-        <c:crossAx val="-1603794528"/>
+        <c:crossAx val="-1599134400"/>
         <c:crosses val="autoZero"/>
         <c:auto val="1"/>
         <c:lblAlgn val="ctr"/>
@@ -729,7 +730,7 @@
         <c:noMultiLvlLbl val="0"/>
       </c:catAx>
       <c:valAx>
-        <c:axId val="-1603794528"/>
+        <c:axId val="-1599134400"/>
         <c:scaling>
           <c:orientation val="minMax"/>
           <c:max val="1000.0"/>
@@ -781,7 +782,7 @@
             <a:endParaRPr lang="en-US"/>
           </a:p>
         </c:txPr>
-        <c:crossAx val="-1603796576"/>
+        <c:crossAx val="-1599136720"/>
         <c:crosses val="autoZero"/>
         <c:crossBetween val="between"/>
       </c:valAx>
@@ -1024,7 +1025,7 @@
                   <c:v>494.81</c:v>
                 </c:pt>
                 <c:pt idx="40">
-                  <c:v>498.4299999999998</c:v>
+                  <c:v>498.4299999999997</c:v>
                 </c:pt>
                 <c:pt idx="41">
                   <c:v>504.04</c:v>
@@ -1051,7 +1052,7 @@
                   <c:v>508.45</c:v>
                 </c:pt>
                 <c:pt idx="49">
-                  <c:v>513.8399999999998</c:v>
+                  <c:v>513.8399999999997</c:v>
                 </c:pt>
                 <c:pt idx="50">
                   <c:v>511.38</c:v>
@@ -1072,7 +1073,7 @@
                   <c:v>507.79</c:v>
                 </c:pt>
                 <c:pt idx="56">
-                  <c:v>517.8499999999998</c:v>
+                  <c:v>517.8499999999997</c:v>
                 </c:pt>
                 <c:pt idx="57">
                   <c:v>512.77</c:v>
@@ -1099,7 +1100,7 @@
                   <c:v>517.24</c:v>
                 </c:pt>
                 <c:pt idx="65">
-                  <c:v>518.3199999999998</c:v>
+                  <c:v>518.3199999999997</c:v>
                 </c:pt>
                 <c:pt idx="66">
                   <c:v>527.54</c:v>
@@ -1150,7 +1151,7 @@
                   <c:v>528.58</c:v>
                 </c:pt>
                 <c:pt idx="82">
-                  <c:v>533.9599999999998</c:v>
+                  <c:v>533.9599999999997</c:v>
                 </c:pt>
                 <c:pt idx="83">
                   <c:v>540.12</c:v>
@@ -1171,7 +1172,7 @@
                   <c:v>536.59</c:v>
                 </c:pt>
                 <c:pt idx="89">
-                  <c:v>528.5599999999997</c:v>
+                  <c:v>528.5599999999996</c:v>
                 </c:pt>
                 <c:pt idx="90">
                   <c:v>536.4</c:v>
@@ -1186,7 +1187,7 @@
                   <c:v>523.4</c:v>
                 </c:pt>
                 <c:pt idx="94">
-                  <c:v>546.3599999999998</c:v>
+                  <c:v>546.3599999999997</c:v>
                 </c:pt>
                 <c:pt idx="95">
                   <c:v>539.62</c:v>
@@ -1198,13 +1199,13 @@
                   <c:v>531.59</c:v>
                 </c:pt>
                 <c:pt idx="98">
-                  <c:v>538.8599999999998</c:v>
+                  <c:v>538.8599999999997</c:v>
                 </c:pt>
                 <c:pt idx="99">
                   <c:v>553.63</c:v>
                 </c:pt>
                 <c:pt idx="100">
-                  <c:v>551.5599999999997</c:v>
+                  <c:v>551.5599999999996</c:v>
                 </c:pt>
                 <c:pt idx="101">
                   <c:v>551.19</c:v>
@@ -1222,7 +1223,7 @@
                   <c:v>535.48</c:v>
                 </c:pt>
                 <c:pt idx="106">
-                  <c:v>535.3299999999998</c:v>
+                  <c:v>535.3299999999997</c:v>
                 </c:pt>
                 <c:pt idx="107">
                   <c:v>549.15</c:v>
@@ -1234,7 +1235,7 @@
                   <c:v>541.5</c:v>
                 </c:pt>
                 <c:pt idx="110">
-                  <c:v>536.0599999999997</c:v>
+                  <c:v>536.0599999999996</c:v>
                 </c:pt>
                 <c:pt idx="111">
                   <c:v>543.0</c:v>
@@ -1246,10 +1247,10 @@
                   <c:v>538.68</c:v>
                 </c:pt>
                 <c:pt idx="114">
-                  <c:v>550.9299999999997</c:v>
+                  <c:v>550.9299999999996</c:v>
                 </c:pt>
                 <c:pt idx="115">
-                  <c:v>540.9599999999998</c:v>
+                  <c:v>540.9599999999997</c:v>
                 </c:pt>
                 <c:pt idx="116">
                   <c:v>545.74</c:v>
@@ -1300,7 +1301,7 @@
                   <c:v>542.66</c:v>
                 </c:pt>
                 <c:pt idx="132">
-                  <c:v>534.8199999999998</c:v>
+                  <c:v>534.8199999999997</c:v>
                 </c:pt>
                 <c:pt idx="133">
                   <c:v>549.21</c:v>
@@ -1309,7 +1310,7 @@
                   <c:v>547.69</c:v>
                 </c:pt>
                 <c:pt idx="135">
-                  <c:v>548.9299999999997</c:v>
+                  <c:v>548.9299999999996</c:v>
                 </c:pt>
                 <c:pt idx="136">
                   <c:v>546.62</c:v>
@@ -1324,7 +1325,7 @@
                   <c:v>575.89</c:v>
                 </c:pt>
                 <c:pt idx="140">
-                  <c:v>576.3299999999998</c:v>
+                  <c:v>576.3299999999997</c:v>
                 </c:pt>
                 <c:pt idx="141">
                   <c:v>552.1</c:v>
@@ -1351,7 +1352,7 @@
                   <c:v>562.92</c:v>
                 </c:pt>
                 <c:pt idx="149">
-                  <c:v>541.3599999999998</c:v>
+                  <c:v>541.3599999999997</c:v>
                 </c:pt>
               </c:numCache>
             </c:numRef>
@@ -1367,11 +1368,11 @@
           <c:showBubbleSize val="0"/>
         </c:dLbls>
         <c:smooth val="0"/>
-        <c:axId val="-1610420416"/>
-        <c:axId val="-1610418096"/>
+        <c:axId val="-1599295312"/>
+        <c:axId val="-1599292992"/>
       </c:lineChart>
       <c:catAx>
-        <c:axId val="-1610420416"/>
+        <c:axId val="-1599295312"/>
         <c:scaling>
           <c:orientation val="minMax"/>
         </c:scaling>
@@ -1413,7 +1414,7 @@
             <a:endParaRPr lang="en-US"/>
           </a:p>
         </c:txPr>
-        <c:crossAx val="-1610418096"/>
+        <c:crossAx val="-1599292992"/>
         <c:crosses val="autoZero"/>
         <c:auto val="1"/>
         <c:lblAlgn val="ctr"/>
@@ -1421,7 +1422,7 @@
         <c:noMultiLvlLbl val="0"/>
       </c:catAx>
       <c:valAx>
-        <c:axId val="-1610418096"/>
+        <c:axId val="-1599292992"/>
         <c:scaling>
           <c:orientation val="minMax"/>
           <c:max val="1000.0"/>
@@ -1473,7 +1474,7 @@
             <a:endParaRPr lang="en-US"/>
           </a:p>
         </c:txPr>
-        <c:crossAx val="-1610420416"/>
+        <c:crossAx val="-1599295312"/>
         <c:crosses val="autoZero"/>
         <c:crossBetween val="between"/>
       </c:valAx>
@@ -1638,7 +1639,7 @@
                   <c:v>10.133</c:v>
                 </c:pt>
                 <c:pt idx="14">
-                  <c:v>9.7187</c:v>
+                  <c:v>9.718699999999998</c:v>
                 </c:pt>
                 <c:pt idx="15">
                   <c:v>9.9061</c:v>
@@ -1671,7 +1672,7 @@
                   <c:v>9.5539</c:v>
                 </c:pt>
                 <c:pt idx="25">
-                  <c:v>9.141</c:v>
+                  <c:v>9.140999999999998</c:v>
                 </c:pt>
                 <c:pt idx="26">
                   <c:v>9.0677</c:v>
@@ -1695,10 +1696,10 @@
                   <c:v>9.4015</c:v>
                 </c:pt>
                 <c:pt idx="33">
-                  <c:v>9.2211</c:v>
+                  <c:v>9.221099999999998</c:v>
                 </c:pt>
                 <c:pt idx="34">
-                  <c:v>9.2186</c:v>
+                  <c:v>9.218599999999998</c:v>
                 </c:pt>
                 <c:pt idx="35">
                   <c:v>9.133900000000001</c:v>
@@ -1725,7 +1726,7 @@
                   <c:v>8.911300000000001</c:v>
                 </c:pt>
                 <c:pt idx="43">
-                  <c:v>9.2461</c:v>
+                  <c:v>9.246099999999998</c:v>
                 </c:pt>
                 <c:pt idx="44">
                   <c:v>9.0148</c:v>
@@ -1779,7 +1780,7 @@
                   <c:v>9.5635</c:v>
                 </c:pt>
                 <c:pt idx="61">
-                  <c:v>9.2712</c:v>
+                  <c:v>9.271199999999998</c:v>
                 </c:pt>
                 <c:pt idx="62">
                   <c:v>9.4051</c:v>
@@ -1794,7 +1795,7 @@
                   <c:v>9.3111</c:v>
                 </c:pt>
                 <c:pt idx="66">
-                  <c:v>9.4443</c:v>
+                  <c:v>9.444299999999998</c:v>
                 </c:pt>
                 <c:pt idx="67">
                   <c:v>9.5115</c:v>
@@ -1830,7 +1831,7 @@
                   <c:v>9.224600000000001</c:v>
                 </c:pt>
                 <c:pt idx="78">
-                  <c:v>9.6149</c:v>
+                  <c:v>9.614899999999998</c:v>
                 </c:pt>
                 <c:pt idx="79">
                   <c:v>9.548899999999997</c:v>
@@ -1848,7 +1849,7 @@
                   <c:v>9.1328</c:v>
                 </c:pt>
                 <c:pt idx="84">
-                  <c:v>9.6362</c:v>
+                  <c:v>9.636199999999998</c:v>
                 </c:pt>
                 <c:pt idx="85">
                   <c:v>9.6858</c:v>
@@ -1863,13 +1864,13 @@
                   <c:v>9.546900000000001</c:v>
                 </c:pt>
                 <c:pt idx="89">
-                  <c:v>9.548</c:v>
+                  <c:v>9.547999999999998</c:v>
                 </c:pt>
                 <c:pt idx="90">
                   <c:v>9.6086</c:v>
                 </c:pt>
                 <c:pt idx="91">
-                  <c:v>9.7217</c:v>
+                  <c:v>9.721699999999998</c:v>
                 </c:pt>
                 <c:pt idx="92">
                   <c:v>9.8135</c:v>
@@ -1923,7 +1924,7 @@
                   <c:v>9.9719</c:v>
                 </c:pt>
                 <c:pt idx="109">
-                  <c:v>9.7102</c:v>
+                  <c:v>9.710199999999998</c:v>
                 </c:pt>
                 <c:pt idx="110">
                   <c:v>10.188</c:v>
@@ -2059,11 +2060,11 @@
           <c:showBubbleSize val="0"/>
         </c:dLbls>
         <c:smooth val="0"/>
-        <c:axId val="-1603775312"/>
-        <c:axId val="-1603041424"/>
+        <c:axId val="-1730695408"/>
+        <c:axId val="-1730732736"/>
       </c:lineChart>
       <c:catAx>
-        <c:axId val="-1603775312"/>
+        <c:axId val="-1730695408"/>
         <c:scaling>
           <c:orientation val="minMax"/>
         </c:scaling>
@@ -2105,7 +2106,7 @@
             <a:endParaRPr lang="en-US"/>
           </a:p>
         </c:txPr>
-        <c:crossAx val="-1603041424"/>
+        <c:crossAx val="-1730732736"/>
         <c:crosses val="autoZero"/>
         <c:auto val="1"/>
         <c:lblAlgn val="ctr"/>
@@ -2113,7 +2114,7 @@
         <c:noMultiLvlLbl val="0"/>
       </c:catAx>
       <c:valAx>
-        <c:axId val="-1603041424"/>
+        <c:axId val="-1730732736"/>
         <c:scaling>
           <c:orientation val="minMax"/>
           <c:max val="20.0"/>
@@ -2165,7 +2166,7 @@
             <a:endParaRPr lang="en-US"/>
           </a:p>
         </c:txPr>
-        <c:crossAx val="-1603775312"/>
+        <c:crossAx val="-1730695408"/>
         <c:crosses val="autoZero"/>
         <c:crossBetween val="between"/>
       </c:valAx>
@@ -2300,10 +2301,10 @@
                   <c:v>569.74</c:v>
                 </c:pt>
                 <c:pt idx="4">
-                  <c:v>561.8599999999996</c:v>
+                  <c:v>561.8599999999994</c:v>
                 </c:pt>
                 <c:pt idx="5">
-                  <c:v>557.3299999999996</c:v>
+                  <c:v>557.3299999999995</c:v>
                 </c:pt>
                 <c:pt idx="6">
                   <c:v>559.68</c:v>
@@ -2345,7 +2346,7 @@
                   <c:v>510.42</c:v>
                 </c:pt>
                 <c:pt idx="19">
-                  <c:v>540.3299999999996</c:v>
+                  <c:v>540.3299999999995</c:v>
                 </c:pt>
                 <c:pt idx="20">
                   <c:v>526.72</c:v>
@@ -2360,10 +2361,10 @@
                   <c:v>531.04</c:v>
                 </c:pt>
                 <c:pt idx="24">
-                  <c:v>514.8099999999995</c:v>
+                  <c:v>514.8099999999994</c:v>
                 </c:pt>
                 <c:pt idx="25">
-                  <c:v>518.9499999999996</c:v>
+                  <c:v>518.9499999999995</c:v>
                 </c:pt>
                 <c:pt idx="26">
                   <c:v>522.78</c:v>
@@ -2372,13 +2373,13 @@
                   <c:v>539.15</c:v>
                 </c:pt>
                 <c:pt idx="28">
-                  <c:v>540.3499999999996</c:v>
+                  <c:v>540.3499999999995</c:v>
                 </c:pt>
                 <c:pt idx="29">
                   <c:v>532.68</c:v>
                 </c:pt>
                 <c:pt idx="30">
-                  <c:v>536.3499999999996</c:v>
+                  <c:v>536.3499999999995</c:v>
                 </c:pt>
                 <c:pt idx="31">
                   <c:v>558.02</c:v>
@@ -2417,7 +2418,7 @@
                   <c:v>618.53</c:v>
                 </c:pt>
                 <c:pt idx="43">
-                  <c:v>613.8499999999996</c:v>
+                  <c:v>613.8499999999995</c:v>
                 </c:pt>
                 <c:pt idx="44">
                   <c:v>607.6</c:v>
@@ -2447,7 +2448,7 @@
                   <c:v>656.38</c:v>
                 </c:pt>
                 <c:pt idx="53">
-                  <c:v>667.3299999999996</c:v>
+                  <c:v>667.3299999999995</c:v>
                 </c:pt>
                 <c:pt idx="54">
                   <c:v>645.25</c:v>
@@ -2477,13 +2478,13 @@
                   <c:v>682.88</c:v>
                 </c:pt>
                 <c:pt idx="63">
-                  <c:v>694.8299999999996</c:v>
+                  <c:v>694.8299999999995</c:v>
                 </c:pt>
                 <c:pt idx="64">
                   <c:v>708.11</c:v>
                 </c:pt>
                 <c:pt idx="65">
-                  <c:v>717.3399999999996</c:v>
+                  <c:v>717.3399999999995</c:v>
                 </c:pt>
                 <c:pt idx="66">
                   <c:v>702.1</c:v>
@@ -2501,10 +2502,10 @@
                   <c:v>734.75</c:v>
                 </c:pt>
                 <c:pt idx="71">
-                  <c:v>734.3399999999996</c:v>
+                  <c:v>734.3399999999995</c:v>
                 </c:pt>
                 <c:pt idx="72">
-                  <c:v>686.9299999999995</c:v>
+                  <c:v>686.9299999999994</c:v>
                 </c:pt>
                 <c:pt idx="73">
                   <c:v>753.98</c:v>
@@ -2531,13 +2532,13 @@
                   <c:v>768.22</c:v>
                 </c:pt>
                 <c:pt idx="81">
-                  <c:v>750.3199999999996</c:v>
+                  <c:v>750.3199999999995</c:v>
                 </c:pt>
                 <c:pt idx="82">
                   <c:v>750.23</c:v>
                 </c:pt>
                 <c:pt idx="83">
-                  <c:v>761.3599999999996</c:v>
+                  <c:v>761.3599999999994</c:v>
                 </c:pt>
                 <c:pt idx="84">
                   <c:v>751.78</c:v>
@@ -2552,13 +2553,13 @@
                   <c:v>759.52</c:v>
                 </c:pt>
                 <c:pt idx="88">
-                  <c:v>789.3599999999996</c:v>
+                  <c:v>789.3599999999994</c:v>
                 </c:pt>
                 <c:pt idx="89">
                   <c:v>783.29</c:v>
                 </c:pt>
                 <c:pt idx="90">
-                  <c:v>786.8099999999995</c:v>
+                  <c:v>786.8099999999994</c:v>
                 </c:pt>
                 <c:pt idx="91">
                   <c:v>784.4</c:v>
@@ -2591,7 +2592,7 @@
                   <c:v>758.15</c:v>
                 </c:pt>
                 <c:pt idx="101">
-                  <c:v>797.4499999999996</c:v>
+                  <c:v>797.4499999999995</c:v>
                 </c:pt>
                 <c:pt idx="102">
                   <c:v>791.23</c:v>
@@ -2606,7 +2607,7 @@
                   <c:v>834.5</c:v>
                 </c:pt>
                 <c:pt idx="106">
-                  <c:v>780.4599999999996</c:v>
+                  <c:v>780.4599999999995</c:v>
                 </c:pt>
                 <c:pt idx="107">
                   <c:v>788.07</c:v>
@@ -2615,7 +2616,7 @@
                   <c:v>833.27</c:v>
                 </c:pt>
                 <c:pt idx="109">
-                  <c:v>821.4299999999995</c:v>
+                  <c:v>821.4299999999994</c:v>
                 </c:pt>
                 <c:pt idx="110">
                   <c:v>818.12</c:v>
@@ -2630,10 +2631,10 @@
                   <c:v>811.08</c:v>
                 </c:pt>
                 <c:pt idx="114">
-                  <c:v>827.3199999999996</c:v>
+                  <c:v>827.3199999999995</c:v>
                 </c:pt>
                 <c:pt idx="115">
-                  <c:v>828.9299999999995</c:v>
+                  <c:v>828.9299999999994</c:v>
                 </c:pt>
                 <c:pt idx="116">
                   <c:v>790.17</c:v>
@@ -2642,7 +2643,7 @@
                   <c:v>823.9400000000001</c:v>
                 </c:pt>
                 <c:pt idx="118">
-                  <c:v>848.3299999999996</c:v>
+                  <c:v>848.3299999999995</c:v>
                 </c:pt>
                 <c:pt idx="119">
                   <c:v>812.89</c:v>
@@ -2672,7 +2673,7 @@
                   <c:v>854.1</c:v>
                 </c:pt>
                 <c:pt idx="128">
-                  <c:v>839.8099999999995</c:v>
+                  <c:v>839.8099999999994</c:v>
                 </c:pt>
                 <c:pt idx="129">
                   <c:v>854.64</c:v>
@@ -2684,7 +2685,7 @@
                   <c:v>848.89</c:v>
                 </c:pt>
                 <c:pt idx="132">
-                  <c:v>826.4299999999995</c:v>
+                  <c:v>826.4299999999994</c:v>
                 </c:pt>
                 <c:pt idx="133">
                   <c:v>841.28</c:v>
@@ -2699,7 +2700,7 @@
                   <c:v>841.41</c:v>
                 </c:pt>
                 <c:pt idx="137">
-                  <c:v>857.4599999999996</c:v>
+                  <c:v>857.4599999999995</c:v>
                 </c:pt>
                 <c:pt idx="138">
                   <c:v>797.09</c:v>
@@ -2714,7 +2715,7 @@
                   <c:v>859.19</c:v>
                 </c:pt>
                 <c:pt idx="142">
-                  <c:v>835.0599999999995</c:v>
+                  <c:v>835.0599999999994</c:v>
                 </c:pt>
                 <c:pt idx="143">
                   <c:v>902.37</c:v>
@@ -2729,7 +2730,7 @@
                   <c:v>846.53</c:v>
                 </c:pt>
                 <c:pt idx="147">
-                  <c:v>905.3099999999995</c:v>
+                  <c:v>905.3099999999994</c:v>
                 </c:pt>
                 <c:pt idx="148">
                   <c:v>866.48</c:v>
@@ -2751,11 +2752,11 @@
           <c:showBubbleSize val="0"/>
         </c:dLbls>
         <c:smooth val="0"/>
-        <c:axId val="-1609769632"/>
-        <c:axId val="-1606063936"/>
+        <c:axId val="-1731974256"/>
+        <c:axId val="-1603424688"/>
       </c:lineChart>
       <c:catAx>
-        <c:axId val="-1609769632"/>
+        <c:axId val="-1731974256"/>
         <c:scaling>
           <c:orientation val="minMax"/>
         </c:scaling>
@@ -2797,7 +2798,7 @@
             <a:endParaRPr lang="en-US"/>
           </a:p>
         </c:txPr>
-        <c:crossAx val="-1606063936"/>
+        <c:crossAx val="-1603424688"/>
         <c:crosses val="autoZero"/>
         <c:auto val="1"/>
         <c:lblAlgn val="ctr"/>
@@ -2805,7 +2806,7 @@
         <c:noMultiLvlLbl val="0"/>
       </c:catAx>
       <c:valAx>
-        <c:axId val="-1606063936"/>
+        <c:axId val="-1603424688"/>
         <c:scaling>
           <c:orientation val="minMax"/>
           <c:min val="400.0"/>
@@ -2857,7 +2858,7 @@
             <a:endParaRPr lang="en-US"/>
           </a:p>
         </c:txPr>
-        <c:crossAx val="-1609769632"/>
+        <c:crossAx val="-1731974256"/>
         <c:crosses val="autoZero"/>
         <c:crossBetween val="between"/>
       </c:valAx>
@@ -3031,7 +3032,7 @@
                   <c:v>8.2945</c:v>
                 </c:pt>
                 <c:pt idx="17">
-                  <c:v>8.2348</c:v>
+                  <c:v>8.234799999999998</c:v>
                 </c:pt>
                 <c:pt idx="18">
                   <c:v>8.0201</c:v>
@@ -3121,7 +3122,7 @@
                   <c:v>9.643700000000001</c:v>
                 </c:pt>
                 <c:pt idx="47">
-                  <c:v>9.9983</c:v>
+                  <c:v>9.998299999999998</c:v>
                 </c:pt>
                 <c:pt idx="48">
                   <c:v>9.9062</c:v>
@@ -3443,11 +3444,11 @@
           <c:showBubbleSize val="0"/>
         </c:dLbls>
         <c:smooth val="0"/>
-        <c:axId val="-1603755584"/>
-        <c:axId val="-1603908608"/>
+        <c:axId val="-1604099040"/>
+        <c:axId val="-1604096720"/>
       </c:lineChart>
       <c:catAx>
-        <c:axId val="-1603755584"/>
+        <c:axId val="-1604099040"/>
         <c:scaling>
           <c:orientation val="minMax"/>
         </c:scaling>
@@ -3489,7 +3490,7 @@
             <a:endParaRPr lang="en-US"/>
           </a:p>
         </c:txPr>
-        <c:crossAx val="-1603908608"/>
+        <c:crossAx val="-1604096720"/>
         <c:crosses val="autoZero"/>
         <c:auto val="1"/>
         <c:lblAlgn val="ctr"/>
@@ -3497,7 +3498,7 @@
         <c:noMultiLvlLbl val="0"/>
       </c:catAx>
       <c:valAx>
-        <c:axId val="-1603908608"/>
+        <c:axId val="-1604096720"/>
         <c:scaling>
           <c:orientation val="minMax"/>
           <c:max val="20.0"/>
@@ -3550,7 +3551,7 @@
             <a:endParaRPr lang="en-US"/>
           </a:p>
         </c:txPr>
-        <c:crossAx val="-1603755584"/>
+        <c:crossAx val="-1604099040"/>
         <c:crosses val="autoZero"/>
         <c:crossBetween val="between"/>
       </c:valAx>
@@ -3679,13 +3680,13 @@
                   <c:v>529.05</c:v>
                 </c:pt>
                 <c:pt idx="2">
-                  <c:v>554.9299999999997</c:v>
+                  <c:v>554.9299999999996</c:v>
                 </c:pt>
                 <c:pt idx="3">
                   <c:v>555.04</c:v>
                 </c:pt>
                 <c:pt idx="4">
-                  <c:v>558.5599999999997</c:v>
+                  <c:v>558.5599999999996</c:v>
                 </c:pt>
                 <c:pt idx="5">
                   <c:v>549.26</c:v>
@@ -3700,10 +3701,10 @@
                   <c:v>539.77</c:v>
                 </c:pt>
                 <c:pt idx="9">
-                  <c:v>537.9599999999998</c:v>
+                  <c:v>537.9599999999997</c:v>
                 </c:pt>
                 <c:pt idx="10">
-                  <c:v>532.8499999999998</c:v>
+                  <c:v>532.8499999999997</c:v>
                 </c:pt>
                 <c:pt idx="11">
                   <c:v>536.97</c:v>
@@ -3781,7 +3782,7 @@
                   <c:v>488.19</c:v>
                 </c:pt>
                 <c:pt idx="36">
-                  <c:v>490.9299999999998</c:v>
+                  <c:v>490.9299999999997</c:v>
                 </c:pt>
                 <c:pt idx="37">
                   <c:v>490.13</c:v>
@@ -3817,7 +3818,7 @@
                   <c:v>505.14</c:v>
                 </c:pt>
                 <c:pt idx="48">
-                  <c:v>512.4299999999997</c:v>
+                  <c:v>512.4299999999996</c:v>
                 </c:pt>
                 <c:pt idx="49">
                   <c:v>516.3</c:v>
@@ -3826,7 +3827,7 @@
                   <c:v>523.27</c:v>
                 </c:pt>
                 <c:pt idx="51">
-                  <c:v>522.8599999999998</c:v>
+                  <c:v>522.8599999999997</c:v>
                 </c:pt>
                 <c:pt idx="52">
                   <c:v>514.87</c:v>
@@ -3865,28 +3866,28 @@
                   <c:v>549.38</c:v>
                 </c:pt>
                 <c:pt idx="64">
-                  <c:v>543.3099999999997</c:v>
+                  <c:v>543.3099999999996</c:v>
                 </c:pt>
                 <c:pt idx="65">
                   <c:v>575.53</c:v>
                 </c:pt>
                 <c:pt idx="66">
-                  <c:v>561.8399999999998</c:v>
+                  <c:v>561.8399999999997</c:v>
                 </c:pt>
                 <c:pt idx="67">
-                  <c:v>571.3499999999998</c:v>
+                  <c:v>571.3499999999997</c:v>
                 </c:pt>
                 <c:pt idx="68">
-                  <c:v>582.0599999999997</c:v>
+                  <c:v>582.0599999999996</c:v>
                 </c:pt>
                 <c:pt idx="69">
                   <c:v>572.64</c:v>
                 </c:pt>
                 <c:pt idx="70">
-                  <c:v>601.3299999999998</c:v>
+                  <c:v>601.3299999999997</c:v>
                 </c:pt>
                 <c:pt idx="71">
-                  <c:v>569.9499999999998</c:v>
+                  <c:v>569.9499999999997</c:v>
                 </c:pt>
                 <c:pt idx="72">
                   <c:v>563.17</c:v>
@@ -3901,7 +3902,7 @@
                   <c:v>594.01</c:v>
                 </c:pt>
                 <c:pt idx="76">
-                  <c:v>602.3099999999997</c:v>
+                  <c:v>602.3099999999996</c:v>
                 </c:pt>
                 <c:pt idx="77">
                   <c:v>600.63</c:v>
@@ -3937,10 +3938,10 @@
                   <c:v>618.71</c:v>
                 </c:pt>
                 <c:pt idx="88">
-                  <c:v>631.8099999999997</c:v>
+                  <c:v>631.8099999999996</c:v>
                 </c:pt>
                 <c:pt idx="89">
-                  <c:v>647.4299999999997</c:v>
+                  <c:v>647.4299999999996</c:v>
                 </c:pt>
                 <c:pt idx="90">
                   <c:v>650.49</c:v>
@@ -3952,7 +3953,7 @@
                   <c:v>637.87</c:v>
                 </c:pt>
                 <c:pt idx="93">
-                  <c:v>619.8199999999998</c:v>
+                  <c:v>619.8199999999997</c:v>
                 </c:pt>
                 <c:pt idx="94">
                   <c:v>667.97</c:v>
@@ -3973,7 +3974,7 @@
                   <c:v>664.99</c:v>
                 </c:pt>
                 <c:pt idx="100">
-                  <c:v>685.3599999999998</c:v>
+                  <c:v>685.3599999999997</c:v>
                 </c:pt>
                 <c:pt idx="101">
                   <c:v>682.15</c:v>
@@ -3982,10 +3983,10 @@
                   <c:v>702.08</c:v>
                 </c:pt>
                 <c:pt idx="103">
-                  <c:v>679.3099999999997</c:v>
+                  <c:v>679.3099999999996</c:v>
                 </c:pt>
                 <c:pt idx="104">
-                  <c:v>733.9599999999998</c:v>
+                  <c:v>733.9599999999997</c:v>
                 </c:pt>
                 <c:pt idx="105">
                   <c:v>686.62</c:v>
@@ -4003,10 +4004,10 @@
                   <c:v>705.69</c:v>
                 </c:pt>
                 <c:pt idx="110">
-                  <c:v>705.5599999999997</c:v>
+                  <c:v>705.5599999999996</c:v>
                 </c:pt>
                 <c:pt idx="111">
-                  <c:v>724.3099999999997</c:v>
+                  <c:v>724.3099999999996</c:v>
                 </c:pt>
                 <c:pt idx="112">
                   <c:v>713.65</c:v>
@@ -4021,13 +4022,13 @@
                   <c:v>723.15</c:v>
                 </c:pt>
                 <c:pt idx="116">
-                  <c:v>753.4299999999997</c:v>
+                  <c:v>753.4299999999996</c:v>
                 </c:pt>
                 <c:pt idx="117">
                   <c:v>729.49</c:v>
                 </c:pt>
                 <c:pt idx="118">
-                  <c:v>744.8199999999998</c:v>
+                  <c:v>744.8199999999997</c:v>
                 </c:pt>
                 <c:pt idx="119">
                   <c:v>749.76</c:v>
@@ -4048,7 +4049,7 @@
                   <c:v>757.25</c:v>
                 </c:pt>
                 <c:pt idx="125">
-                  <c:v>777.9299999999997</c:v>
+                  <c:v>777.9299999999996</c:v>
                 </c:pt>
                 <c:pt idx="126">
                   <c:v>754.92</c:v>
@@ -4063,7 +4064,7 @@
                   <c:v>776.23</c:v>
                 </c:pt>
                 <c:pt idx="130">
-                  <c:v>789.8599999999998</c:v>
+                  <c:v>789.8599999999997</c:v>
                 </c:pt>
                 <c:pt idx="131">
                   <c:v>796.52</c:v>
@@ -4078,13 +4079,13 @@
                   <c:v>770.89</c:v>
                 </c:pt>
                 <c:pt idx="135">
-                  <c:v>785.3099999999997</c:v>
+                  <c:v>785.3099999999996</c:v>
                 </c:pt>
                 <c:pt idx="136">
                   <c:v>785.77</c:v>
                 </c:pt>
                 <c:pt idx="137">
-                  <c:v>808.3599999999998</c:v>
+                  <c:v>808.3599999999997</c:v>
                 </c:pt>
                 <c:pt idx="138">
                   <c:v>805.67</c:v>
@@ -4096,7 +4097,7 @@
                   <c:v>811.05</c:v>
                 </c:pt>
                 <c:pt idx="141">
-                  <c:v>779.8299999999998</c:v>
+                  <c:v>779.8299999999997</c:v>
                 </c:pt>
                 <c:pt idx="142">
                   <c:v>830.14</c:v>
@@ -4136,11 +4137,11 @@
           <c:showBubbleSize val="0"/>
         </c:dLbls>
         <c:smooth val="0"/>
-        <c:axId val="-1645907472"/>
-        <c:axId val="-1645905696"/>
+        <c:axId val="-1599106096"/>
+        <c:axId val="-1599103776"/>
       </c:lineChart>
       <c:catAx>
-        <c:axId val="-1645907472"/>
+        <c:axId val="-1599106096"/>
         <c:scaling>
           <c:orientation val="minMax"/>
         </c:scaling>
@@ -4182,7 +4183,7 @@
             <a:endParaRPr lang="en-US"/>
           </a:p>
         </c:txPr>
-        <c:crossAx val="-1645905696"/>
+        <c:crossAx val="-1599103776"/>
         <c:crosses val="autoZero"/>
         <c:auto val="1"/>
         <c:lblAlgn val="ctr"/>
@@ -4190,7 +4191,7 @@
         <c:noMultiLvlLbl val="0"/>
       </c:catAx>
       <c:valAx>
-        <c:axId val="-1645905696"/>
+        <c:axId val="-1599103776"/>
         <c:scaling>
           <c:orientation val="minMax"/>
           <c:max val="1000.0"/>
@@ -4243,7 +4244,7 @@
             <a:endParaRPr lang="en-US"/>
           </a:p>
         </c:txPr>
-        <c:crossAx val="-1645907472"/>
+        <c:crossAx val="-1599106096"/>
         <c:crosses val="autoZero"/>
         <c:crossBetween val="between"/>
       </c:valAx>
@@ -4381,7 +4382,7 @@
                   <c:v>8.8588</c:v>
                 </c:pt>
                 <c:pt idx="5">
-                  <c:v>8.6743</c:v>
+                  <c:v>8.674299999999998</c:v>
                 </c:pt>
                 <c:pt idx="6">
                   <c:v>8.6096</c:v>
@@ -4411,7 +4412,7 @@
                   <c:v>8.280900000000001</c:v>
                 </c:pt>
                 <c:pt idx="15">
-                  <c:v>8.2193</c:v>
+                  <c:v>8.219299999999998</c:v>
                 </c:pt>
                 <c:pt idx="16">
                   <c:v>8.1894</c:v>
@@ -4432,7 +4433,7 @@
                   <c:v>7.9338</c:v>
                 </c:pt>
                 <c:pt idx="22">
-                  <c:v>7.868499999999998</c:v>
+                  <c:v>7.868499999999997</c:v>
                 </c:pt>
                 <c:pt idx="23">
                   <c:v>7.986</c:v>
@@ -4456,7 +4457,7 @@
                   <c:v>7.6606</c:v>
                 </c:pt>
                 <c:pt idx="30">
-                  <c:v>7.646999999999998</c:v>
+                  <c:v>7.646999999999997</c:v>
                 </c:pt>
                 <c:pt idx="31">
                   <c:v>7.7166</c:v>
@@ -4468,7 +4469,7 @@
                   <c:v>7.7052</c:v>
                 </c:pt>
                 <c:pt idx="34">
-                  <c:v>7.667199999999997</c:v>
+                  <c:v>7.667199999999996</c:v>
                 </c:pt>
                 <c:pt idx="35">
                   <c:v>7.7311</c:v>
@@ -4528,7 +4529,7 @@
                   <c:v>8.135300000000001</c:v>
                 </c:pt>
                 <c:pt idx="54">
-                  <c:v>8.1309</c:v>
+                  <c:v>8.130899999999998</c:v>
                 </c:pt>
                 <c:pt idx="55">
                   <c:v>8.4346</c:v>
@@ -4588,13 +4589,13 @@
                   <c:v>9.4705</c:v>
                 </c:pt>
                 <c:pt idx="74">
-                  <c:v>9.2385</c:v>
+                  <c:v>9.238499999999998</c:v>
                 </c:pt>
                 <c:pt idx="75">
                   <c:v>9.4693</c:v>
                 </c:pt>
                 <c:pt idx="76">
-                  <c:v>9.548</c:v>
+                  <c:v>9.547999999999998</c:v>
                 </c:pt>
                 <c:pt idx="77">
                   <c:v>9.5609</c:v>
@@ -4615,7 +4616,7 @@
                   <c:v>9.939</c:v>
                 </c:pt>
                 <c:pt idx="83">
-                  <c:v>9.6478</c:v>
+                  <c:v>9.647799999999998</c:v>
                 </c:pt>
                 <c:pt idx="84">
                   <c:v>9.8859</c:v>
@@ -4829,11 +4830,11 @@
           <c:showBubbleSize val="0"/>
         </c:dLbls>
         <c:smooth val="0"/>
-        <c:axId val="-1646308400"/>
-        <c:axId val="-1646307040"/>
+        <c:axId val="-1599538576"/>
+        <c:axId val="-1599536256"/>
       </c:lineChart>
       <c:catAx>
-        <c:axId val="-1646308400"/>
+        <c:axId val="-1599538576"/>
         <c:scaling>
           <c:orientation val="minMax"/>
         </c:scaling>
@@ -4875,7 +4876,7 @@
             <a:endParaRPr lang="en-US"/>
           </a:p>
         </c:txPr>
-        <c:crossAx val="-1646307040"/>
+        <c:crossAx val="-1599536256"/>
         <c:crosses val="autoZero"/>
         <c:auto val="1"/>
         <c:lblAlgn val="ctr"/>
@@ -4883,7 +4884,7 @@
         <c:noMultiLvlLbl val="0"/>
       </c:catAx>
       <c:valAx>
-        <c:axId val="-1646307040"/>
+        <c:axId val="-1599536256"/>
         <c:scaling>
           <c:orientation val="minMax"/>
           <c:max val="20.0"/>
@@ -4936,7 +4937,7 @@
             <a:endParaRPr lang="en-US"/>
           </a:p>
         </c:txPr>
-        <c:crossAx val="-1646308400"/>
+        <c:crossAx val="-1599538576"/>
         <c:crosses val="autoZero"/>
         <c:crossBetween val="between"/>
       </c:valAx>
@@ -5077,7 +5078,7 @@
                   <c:v>545.92</c:v>
                 </c:pt>
                 <c:pt idx="6">
-                  <c:v>541.3599999999998</c:v>
+                  <c:v>541.3599999999997</c:v>
                 </c:pt>
                 <c:pt idx="7">
                   <c:v>540.29</c:v>
@@ -5086,7 +5087,7 @@
                   <c:v>540.19</c:v>
                 </c:pt>
                 <c:pt idx="9">
-                  <c:v>539.4499999999998</c:v>
+                  <c:v>539.4499999999997</c:v>
                 </c:pt>
                 <c:pt idx="10">
                   <c:v>531.9</c:v>
@@ -5095,7 +5096,7 @@
                   <c:v>528.66</c:v>
                 </c:pt>
                 <c:pt idx="12">
-                  <c:v>527.8099999999997</c:v>
+                  <c:v>527.8099999999996</c:v>
                 </c:pt>
                 <c:pt idx="13">
                   <c:v>516.65</c:v>
@@ -5212,7 +5213,7 @@
                   <c:v>505.86</c:v>
                 </c:pt>
                 <c:pt idx="51">
-                  <c:v>516.8499999999998</c:v>
+                  <c:v>516.8499999999997</c:v>
                 </c:pt>
                 <c:pt idx="52">
                   <c:v>513.53</c:v>
@@ -5230,7 +5231,7 @@
                   <c:v>520.52</c:v>
                 </c:pt>
                 <c:pt idx="57">
-                  <c:v>516.9299999999997</c:v>
+                  <c:v>516.9299999999996</c:v>
                 </c:pt>
                 <c:pt idx="58">
                   <c:v>522.2</c:v>
@@ -5245,7 +5246,7 @@
                   <c:v>524.21</c:v>
                 </c:pt>
                 <c:pt idx="62">
-                  <c:v>542.3399999999998</c:v>
+                  <c:v>542.3399999999997</c:v>
                 </c:pt>
                 <c:pt idx="63">
                   <c:v>541.64</c:v>
@@ -5278,7 +5279,7 @@
                   <c:v>545.22</c:v>
                 </c:pt>
                 <c:pt idx="73">
-                  <c:v>553.8299999999998</c:v>
+                  <c:v>553.8299999999997</c:v>
                 </c:pt>
                 <c:pt idx="74">
                   <c:v>546.58</c:v>
@@ -5287,7 +5288,7 @@
                   <c:v>552.74</c:v>
                 </c:pt>
                 <c:pt idx="76">
-                  <c:v>576.5599999999997</c:v>
+                  <c:v>576.5599999999996</c:v>
                 </c:pt>
                 <c:pt idx="77">
                   <c:v>564.15</c:v>
@@ -5296,7 +5297,7 @@
                   <c:v>582.24</c:v>
                 </c:pt>
                 <c:pt idx="79">
-                  <c:v>563.0599999999997</c:v>
+                  <c:v>563.0599999999996</c:v>
                 </c:pt>
                 <c:pt idx="80">
                   <c:v>585.21</c:v>
@@ -5308,7 +5309,7 @@
                   <c:v>590.27</c:v>
                 </c:pt>
                 <c:pt idx="83">
-                  <c:v>597.9299999999997</c:v>
+                  <c:v>597.9299999999996</c:v>
                 </c:pt>
                 <c:pt idx="84">
                   <c:v>565.72</c:v>
@@ -5320,7 +5321,7 @@
                   <c:v>588.78</c:v>
                 </c:pt>
                 <c:pt idx="87">
-                  <c:v>591.4599999999998</c:v>
+                  <c:v>591.4599999999997</c:v>
                 </c:pt>
                 <c:pt idx="88">
                   <c:v>600.4</c:v>
@@ -5329,7 +5330,7 @@
                   <c:v>594.11</c:v>
                 </c:pt>
                 <c:pt idx="90">
-                  <c:v>590.9299999999997</c:v>
+                  <c:v>590.9299999999996</c:v>
                 </c:pt>
                 <c:pt idx="91">
                   <c:v>586.9</c:v>
@@ -5386,7 +5387,7 @@
                   <c:v>628.38</c:v>
                 </c:pt>
                 <c:pt idx="109">
-                  <c:v>622.9599999999998</c:v>
+                  <c:v>622.9599999999997</c:v>
                 </c:pt>
                 <c:pt idx="110">
                   <c:v>634.6</c:v>
@@ -5407,16 +5408,16 @@
                   <c:v>632.8</c:v>
                 </c:pt>
                 <c:pt idx="116">
-                  <c:v>669.9599999999998</c:v>
+                  <c:v>669.9599999999997</c:v>
                 </c:pt>
                 <c:pt idx="117">
                   <c:v>641.91</c:v>
                 </c:pt>
                 <c:pt idx="118">
-                  <c:v>635.4299999999997</c:v>
+                  <c:v>635.4299999999996</c:v>
                 </c:pt>
                 <c:pt idx="119">
-                  <c:v>659.8499999999998</c:v>
+                  <c:v>659.8499999999997</c:v>
                 </c:pt>
                 <c:pt idx="120">
                   <c:v>640.42</c:v>
@@ -5446,7 +5447,7 @@
                   <c:v>656.03</c:v>
                 </c:pt>
                 <c:pt idx="129">
-                  <c:v>652.3099999999997</c:v>
+                  <c:v>652.3099999999996</c:v>
                 </c:pt>
                 <c:pt idx="130">
                   <c:v>665.15</c:v>
@@ -5458,7 +5459,7 @@
                   <c:v>667.54</c:v>
                 </c:pt>
                 <c:pt idx="133">
-                  <c:v>666.3099999999997</c:v>
+                  <c:v>666.3099999999996</c:v>
                 </c:pt>
                 <c:pt idx="134">
                   <c:v>665.91</c:v>
@@ -5470,7 +5471,7 @@
                   <c:v>661.4</c:v>
                 </c:pt>
                 <c:pt idx="137">
-                  <c:v>687.4299999999997</c:v>
+                  <c:v>687.4299999999996</c:v>
                 </c:pt>
                 <c:pt idx="138">
                   <c:v>672.7</c:v>
@@ -5479,7 +5480,7 @@
                   <c:v>697.72</c:v>
                 </c:pt>
                 <c:pt idx="140">
-                  <c:v>708.4299999999997</c:v>
+                  <c:v>708.4299999999996</c:v>
                 </c:pt>
                 <c:pt idx="141">
                   <c:v>675.98</c:v>
@@ -5500,13 +5501,13 @@
                   <c:v>720.23</c:v>
                 </c:pt>
                 <c:pt idx="147">
-                  <c:v>677.8499999999998</c:v>
+                  <c:v>677.8499999999997</c:v>
                 </c:pt>
                 <c:pt idx="148">
                   <c:v>711.29</c:v>
                 </c:pt>
                 <c:pt idx="149">
-                  <c:v>673.3499999999998</c:v>
+                  <c:v>673.3499999999997</c:v>
                 </c:pt>
               </c:numCache>
             </c:numRef>
@@ -5522,11 +5523,11 @@
           <c:showBubbleSize val="0"/>
         </c:dLbls>
         <c:smooth val="0"/>
-        <c:axId val="-1603866096"/>
-        <c:axId val="-1731287744"/>
+        <c:axId val="-1599509360"/>
+        <c:axId val="-1599507040"/>
       </c:lineChart>
       <c:catAx>
-        <c:axId val="-1603866096"/>
+        <c:axId val="-1599509360"/>
         <c:scaling>
           <c:orientation val="minMax"/>
         </c:scaling>
@@ -5568,7 +5569,7 @@
             <a:endParaRPr lang="en-US"/>
           </a:p>
         </c:txPr>
-        <c:crossAx val="-1731287744"/>
+        <c:crossAx val="-1599507040"/>
         <c:crosses val="autoZero"/>
         <c:auto val="1"/>
         <c:lblAlgn val="ctr"/>
@@ -5576,7 +5577,7 @@
         <c:noMultiLvlLbl val="0"/>
       </c:catAx>
       <c:valAx>
-        <c:axId val="-1731287744"/>
+        <c:axId val="-1599507040"/>
         <c:scaling>
           <c:orientation val="minMax"/>
           <c:max val="1000.0"/>
@@ -5628,7 +5629,7 @@
             <a:endParaRPr lang="en-US"/>
           </a:p>
         </c:txPr>
-        <c:crossAx val="-1603866096"/>
+        <c:crossAx val="-1599509360"/>
         <c:crosses val="autoZero"/>
         <c:crossBetween val="between"/>
       </c:valAx>
@@ -5751,7 +5752,7 @@
                 <c:formatCode>General</c:formatCode>
                 <c:ptCount val="150"/>
                 <c:pt idx="0">
-                  <c:v>9.1982</c:v>
+                  <c:v>9.198199999999998</c:v>
                 </c:pt>
                 <c:pt idx="1">
                   <c:v>8.5444</c:v>
@@ -5790,7 +5791,7 @@
                   <c:v>8.3019</c:v>
                 </c:pt>
                 <c:pt idx="13">
-                  <c:v>8.1318</c:v>
+                  <c:v>8.131799999999998</c:v>
                 </c:pt>
                 <c:pt idx="14">
                   <c:v>8.1607</c:v>
@@ -5865,7 +5866,7 @@
                   <c:v>7.9833</c:v>
                 </c:pt>
                 <c:pt idx="38">
-                  <c:v>7.814399999999998</c:v>
+                  <c:v>7.814399999999997</c:v>
                 </c:pt>
                 <c:pt idx="39">
                   <c:v>7.7071</c:v>
@@ -5916,16 +5917,16 @@
                   <c:v>8.2156</c:v>
                 </c:pt>
                 <c:pt idx="55">
-                  <c:v>8.227</c:v>
+                  <c:v>8.226999999999998</c:v>
                 </c:pt>
                 <c:pt idx="56">
                   <c:v>8.2816</c:v>
                 </c:pt>
                 <c:pt idx="57">
-                  <c:v>8.2178</c:v>
+                  <c:v>8.217799999999998</c:v>
                 </c:pt>
                 <c:pt idx="58">
-                  <c:v>8.2978</c:v>
+                  <c:v>8.297799999999998</c:v>
                 </c:pt>
                 <c:pt idx="59">
                   <c:v>8.639200000000001</c:v>
@@ -5940,7 +5941,7 @@
                   <c:v>8.6646</c:v>
                 </c:pt>
                 <c:pt idx="63">
-                  <c:v>8.6286</c:v>
+                  <c:v>8.628599999999998</c:v>
                 </c:pt>
                 <c:pt idx="64">
                   <c:v>8.4738</c:v>
@@ -5964,7 +5965,7 @@
                   <c:v>8.9055</c:v>
                 </c:pt>
                 <c:pt idx="71">
-                  <c:v>9.2872</c:v>
+                  <c:v>9.287199999999998</c:v>
                 </c:pt>
                 <c:pt idx="72">
                   <c:v>8.7025</c:v>
@@ -6015,13 +6016,13 @@
                   <c:v>9.4627</c:v>
                 </c:pt>
                 <c:pt idx="88">
-                  <c:v>9.6181</c:v>
+                  <c:v>9.618099999999998</c:v>
                 </c:pt>
                 <c:pt idx="89">
                   <c:v>9.4922</c:v>
                 </c:pt>
                 <c:pt idx="90">
-                  <c:v>9.4472</c:v>
+                  <c:v>9.447199999999998</c:v>
                 </c:pt>
                 <c:pt idx="91">
                   <c:v>9.4134</c:v>
@@ -6030,7 +6031,7 @@
                   <c:v>9.7701</c:v>
                 </c:pt>
                 <c:pt idx="93">
-                  <c:v>9.73</c:v>
+                  <c:v>9.729999999999998</c:v>
                 </c:pt>
                 <c:pt idx="94">
                   <c:v>9.7816</c:v>
@@ -6042,10 +6043,10 @@
                   <c:v>9.9369</c:v>
                 </c:pt>
                 <c:pt idx="97">
-                  <c:v>9.5479</c:v>
+                  <c:v>9.547899999999998</c:v>
                 </c:pt>
                 <c:pt idx="98">
-                  <c:v>9.6385</c:v>
+                  <c:v>9.638499999999998</c:v>
                 </c:pt>
                 <c:pt idx="99">
                   <c:v>9.9006</c:v>
@@ -6214,11 +6215,11 @@
           <c:showBubbleSize val="0"/>
         </c:dLbls>
         <c:smooth val="0"/>
-        <c:axId val="-1647577552"/>
-        <c:axId val="-1649732208"/>
+        <c:axId val="-1599489728"/>
+        <c:axId val="-1599487408"/>
       </c:lineChart>
       <c:catAx>
-        <c:axId val="-1647577552"/>
+        <c:axId val="-1599489728"/>
         <c:scaling>
           <c:orientation val="minMax"/>
         </c:scaling>
@@ -6260,7 +6261,7 @@
             <a:endParaRPr lang="en-US"/>
           </a:p>
         </c:txPr>
-        <c:crossAx val="-1649732208"/>
+        <c:crossAx val="-1599487408"/>
         <c:crosses val="autoZero"/>
         <c:auto val="1"/>
         <c:lblAlgn val="ctr"/>
@@ -6268,7 +6269,7 @@
         <c:noMultiLvlLbl val="0"/>
       </c:catAx>
       <c:valAx>
-        <c:axId val="-1649732208"/>
+        <c:axId val="-1599487408"/>
         <c:scaling>
           <c:orientation val="minMax"/>
           <c:max val="20.0"/>
@@ -6320,7 +6321,7 @@
             <a:endParaRPr lang="en-US"/>
           </a:p>
         </c:txPr>
-        <c:crossAx val="-1647577552"/>
+        <c:crossAx val="-1599489728"/>
         <c:crosses val="autoZero"/>
         <c:crossBetween val="between"/>
       </c:valAx>
@@ -6443,7 +6444,7 @@
                 <c:formatCode>General</c:formatCode>
                 <c:ptCount val="150"/>
                 <c:pt idx="0">
-                  <c:v>9.2842</c:v>
+                  <c:v>9.284199999999998</c:v>
                 </c:pt>
                 <c:pt idx="1">
                   <c:v>8.5523</c:v>
@@ -6461,7 +6462,7 @@
                   <c:v>8.588800000000001</c:v>
                 </c:pt>
                 <c:pt idx="6">
-                  <c:v>8.7432</c:v>
+                  <c:v>8.743199999999998</c:v>
                 </c:pt>
                 <c:pt idx="7">
                   <c:v>8.4655</c:v>
@@ -6494,7 +6495,7 @@
                   <c:v>8.1106</c:v>
                 </c:pt>
                 <c:pt idx="17">
-                  <c:v>8.0411</c:v>
+                  <c:v>8.041099999999998</c:v>
                 </c:pt>
                 <c:pt idx="18">
                   <c:v>8.0266</c:v>
@@ -6509,7 +6510,7 @@
                   <c:v>7.9019</c:v>
                 </c:pt>
                 <c:pt idx="22">
-                  <c:v>7.813999999999998</c:v>
+                  <c:v>7.813999999999997</c:v>
                 </c:pt>
                 <c:pt idx="23">
                   <c:v>7.92</c:v>
@@ -6536,7 +6537,7 @@
                   <c:v>7.8467</c:v>
                 </c:pt>
                 <c:pt idx="31">
-                  <c:v>7.818899999999998</c:v>
+                  <c:v>7.818899999999997</c:v>
                 </c:pt>
                 <c:pt idx="32">
                   <c:v>7.9474</c:v>
@@ -6548,13 +6549,13 @@
                   <c:v>7.9745</c:v>
                 </c:pt>
                 <c:pt idx="35">
-                  <c:v>7.862899999999998</c:v>
+                  <c:v>7.862899999999997</c:v>
                 </c:pt>
                 <c:pt idx="36">
                   <c:v>7.852799999999998</c:v>
                 </c:pt>
                 <c:pt idx="37">
-                  <c:v>7.867499999999998</c:v>
+                  <c:v>7.867499999999997</c:v>
                 </c:pt>
                 <c:pt idx="38">
                   <c:v>8.05</c:v>
@@ -6563,7 +6564,7 @@
                   <c:v>7.798199999999999</c:v>
                 </c:pt>
                 <c:pt idx="40">
-                  <c:v>7.847099999999998</c:v>
+                  <c:v>7.847099999999997</c:v>
                 </c:pt>
                 <c:pt idx="41">
                   <c:v>7.9523</c:v>
@@ -6602,7 +6603,7 @@
                   <c:v>8.0324</c:v>
                 </c:pt>
                 <c:pt idx="53">
-                  <c:v>8.147</c:v>
+                  <c:v>8.146999999999998</c:v>
                 </c:pt>
                 <c:pt idx="54">
                   <c:v>8.0946</c:v>
@@ -6623,13 +6624,13 @@
                   <c:v>8.1548</c:v>
                 </c:pt>
                 <c:pt idx="60">
-                  <c:v>8.0989</c:v>
+                  <c:v>8.098899999999998</c:v>
                 </c:pt>
                 <c:pt idx="61">
                   <c:v>8.1958</c:v>
                 </c:pt>
                 <c:pt idx="62">
-                  <c:v>8.1401</c:v>
+                  <c:v>8.140099999999998</c:v>
                 </c:pt>
                 <c:pt idx="63">
                   <c:v>8.677300000000001</c:v>
@@ -6647,7 +6648,7 @@
                   <c:v>8.3032</c:v>
                 </c:pt>
                 <c:pt idx="68">
-                  <c:v>8.2361</c:v>
+                  <c:v>8.236099999999998</c:v>
                 </c:pt>
                 <c:pt idx="69">
                   <c:v>8.2904</c:v>
@@ -6701,7 +6702,7 @@
                   <c:v>8.447</c:v>
                 </c:pt>
                 <c:pt idx="86">
-                  <c:v>8.6189</c:v>
+                  <c:v>8.618899999999998</c:v>
                 </c:pt>
                 <c:pt idx="87">
                   <c:v>8.4759</c:v>
@@ -6725,7 +6726,7 @@
                   <c:v>8.2639</c:v>
                 </c:pt>
                 <c:pt idx="94">
-                  <c:v>8.6418</c:v>
+                  <c:v>8.641799999999998</c:v>
                 </c:pt>
                 <c:pt idx="95">
                   <c:v>8.5174</c:v>
@@ -6767,7 +6768,7 @@
                   <c:v>8.6747</c:v>
                 </c:pt>
                 <c:pt idx="108">
-                  <c:v>8.5982</c:v>
+                  <c:v>8.598199999999998</c:v>
                 </c:pt>
                 <c:pt idx="109">
                   <c:v>8.5616</c:v>
@@ -6791,7 +6792,7 @@
                   <c:v>8.5571</c:v>
                 </c:pt>
                 <c:pt idx="116">
-                  <c:v>8.6217</c:v>
+                  <c:v>8.621699999999998</c:v>
                 </c:pt>
                 <c:pt idx="117">
                   <c:v>8.5091</c:v>
@@ -6833,7 +6834,7 @@
                   <c:v>8.744799999999997</c:v>
                 </c:pt>
                 <c:pt idx="130">
-                  <c:v>8.6372</c:v>
+                  <c:v>8.637199999999998</c:v>
                 </c:pt>
                 <c:pt idx="131">
                   <c:v>8.5804</c:v>
@@ -6848,7 +6849,7 @@
                   <c:v>8.6662</c:v>
                 </c:pt>
                 <c:pt idx="135">
-                  <c:v>8.6911</c:v>
+                  <c:v>8.691099999999998</c:v>
                 </c:pt>
                 <c:pt idx="136">
                   <c:v>8.6515</c:v>
@@ -6866,7 +6867,7 @@
                   <c:v>9.1259</c:v>
                 </c:pt>
                 <c:pt idx="141">
-                  <c:v>8.7331</c:v>
+                  <c:v>8.733099999999998</c:v>
                 </c:pt>
                 <c:pt idx="142">
                   <c:v>8.797000000000001</c:v>
@@ -6875,13 +6876,13 @@
                   <c:v>8.635300000000001</c:v>
                 </c:pt>
                 <c:pt idx="144">
-                  <c:v>8.7187</c:v>
+                  <c:v>8.718699999999998</c:v>
                 </c:pt>
                 <c:pt idx="145">
-                  <c:v>8.6218</c:v>
+                  <c:v>8.621799999999998</c:v>
                 </c:pt>
                 <c:pt idx="146">
-                  <c:v>8.734</c:v>
+                  <c:v>8.733999999999998</c:v>
                 </c:pt>
                 <c:pt idx="147">
                   <c:v>8.8134</c:v>
@@ -6906,11 +6907,11 @@
           <c:showBubbleSize val="0"/>
         </c:dLbls>
         <c:smooth val="0"/>
-        <c:axId val="-1603713488"/>
-        <c:axId val="-1603110000"/>
+        <c:axId val="-1599314944"/>
+        <c:axId val="-1599312624"/>
       </c:lineChart>
       <c:catAx>
-        <c:axId val="-1603713488"/>
+        <c:axId val="-1599314944"/>
         <c:scaling>
           <c:orientation val="minMax"/>
         </c:scaling>
@@ -6952,7 +6953,7 @@
             <a:endParaRPr lang="en-US"/>
           </a:p>
         </c:txPr>
-        <c:crossAx val="-1603110000"/>
+        <c:crossAx val="-1599312624"/>
         <c:crosses val="autoZero"/>
         <c:auto val="1"/>
         <c:lblAlgn val="ctr"/>
@@ -6960,7 +6961,7 @@
         <c:noMultiLvlLbl val="0"/>
       </c:catAx>
       <c:valAx>
-        <c:axId val="-1603110000"/>
+        <c:axId val="-1599312624"/>
         <c:scaling>
           <c:orientation val="minMax"/>
           <c:max val="20.0"/>
@@ -7012,7 +7013,7 @@
             <a:endParaRPr lang="en-US"/>
           </a:p>
         </c:txPr>
-        <c:crossAx val="-1603713488"/>
+        <c:crossAx val="-1599314944"/>
         <c:crosses val="autoZero"/>
         <c:crossBetween val="between"/>
       </c:valAx>
@@ -17574,6 +17575,13 @@
   <p:clrMapOvr>
     <a:masterClrMapping/>
   </p:clrMapOvr>
+  <p:timing>
+    <p:tnLst>
+      <p:par>
+        <p:cTn id="1" dur="indefinite" restart="never" nodeType="tmRoot"/>
+      </p:par>
+    </p:tnLst>
+  </p:timing>
 </p:sld>
 </file>
 
@@ -17686,6 +17694,13 @@
   <p:clrMapOvr>
     <a:masterClrMapping/>
   </p:clrMapOvr>
+  <p:timing>
+    <p:tnLst>
+      <p:par>
+        <p:cTn id="1" dur="indefinite" restart="never" nodeType="tmRoot"/>
+      </p:par>
+    </p:tnLst>
+  </p:timing>
 </p:sld>
 </file>
 
@@ -17798,6 +17813,13 @@
   <p:clrMapOvr>
     <a:masterClrMapping/>
   </p:clrMapOvr>
+  <p:timing>
+    <p:tnLst>
+      <p:par>
+        <p:cTn id="1" dur="indefinite" restart="never" nodeType="tmRoot"/>
+      </p:par>
+    </p:tnLst>
+  </p:timing>
 </p:sld>
 </file>
 
@@ -17910,6 +17932,13 @@
   <p:clrMapOvr>
     <a:masterClrMapping/>
   </p:clrMapOvr>
+  <p:timing>
+    <p:tnLst>
+      <p:par>
+        <p:cTn id="1" dur="indefinite" restart="never" nodeType="tmRoot"/>
+      </p:par>
+    </p:tnLst>
+  </p:timing>
 </p:sld>
 </file>
 
@@ -18016,6 +18045,81 @@
     <p:extLst>
       <p:ext uri="{BB962C8B-B14F-4D97-AF65-F5344CB8AC3E}">
         <p14:creationId xmlns:p14="http://schemas.microsoft.com/office/powerpoint/2010/main" val="1833821460"/>
+      </p:ext>
+    </p:extLst>
+  </p:cSld>
+  <p:clrMapOvr>
+    <a:masterClrMapping/>
+  </p:clrMapOvr>
+  <p:timing>
+    <p:tnLst>
+      <p:par>
+        <p:cTn id="1" dur="indefinite" restart="never" nodeType="tmRoot"/>
+      </p:par>
+    </p:tnLst>
+  </p:timing>
+</p:sld>
+</file>
+
+<file path=ppt/slides/slide15.xml><?xml version="1.0" encoding="utf-8"?>
+<p:sld xmlns:a="http://schemas.openxmlformats.org/drawingml/2006/main" xmlns:r="http://schemas.openxmlformats.org/officeDocument/2006/relationships" xmlns:p="http://schemas.openxmlformats.org/presentationml/2006/main">
+  <p:cSld>
+    <p:spTree>
+      <p:nvGrpSpPr>
+        <p:cNvPr id="1" name=""/>
+        <p:cNvGrpSpPr/>
+        <p:nvPr/>
+      </p:nvGrpSpPr>
+      <p:grpSpPr>
+        <a:xfrm>
+          <a:off x="0" y="0"/>
+          <a:ext cx="0" cy="0"/>
+          <a:chOff x="0" y="0"/>
+          <a:chExt cx="0" cy="0"/>
+        </a:xfrm>
+      </p:grpSpPr>
+      <p:sp>
+        <p:nvSpPr>
+          <p:cNvPr id="2" name="Title 1"/>
+          <p:cNvSpPr>
+            <a:spLocks noGrp="1"/>
+          </p:cNvSpPr>
+          <p:nvPr>
+            <p:ph type="title"/>
+          </p:nvPr>
+        </p:nvSpPr>
+        <p:spPr/>
+        <p:txBody>
+          <a:bodyPr/>
+          <a:lstStyle/>
+          <a:p>
+            <a:endParaRPr lang="en-US"/>
+          </a:p>
+        </p:txBody>
+      </p:sp>
+      <p:sp>
+        <p:nvSpPr>
+          <p:cNvPr id="3" name="Content Placeholder 2"/>
+          <p:cNvSpPr>
+            <a:spLocks noGrp="1"/>
+          </p:cNvSpPr>
+          <p:nvPr>
+            <p:ph idx="1"/>
+          </p:nvPr>
+        </p:nvSpPr>
+        <p:spPr/>
+        <p:txBody>
+          <a:bodyPr/>
+          <a:lstStyle/>
+          <a:p>
+            <a:endParaRPr lang="en-US"/>
+          </a:p>
+        </p:txBody>
+      </p:sp>
+    </p:spTree>
+    <p:extLst>
+      <p:ext uri="{BB962C8B-B14F-4D97-AF65-F5344CB8AC3E}">
+        <p14:creationId xmlns:p14="http://schemas.microsoft.com/office/powerpoint/2010/main" val="483012626"/>
       </p:ext>
     </p:extLst>
   </p:cSld>
@@ -21292,11 +21396,212 @@
           <a:p>
             <a:r>
               <a:rPr lang="en-US" dirty="0" smtClean="0"/>
-              <a:t>Forecasting Active Power </a:t>
+              <a:t>Forecasting Active Power : Optimization</a:t>
+            </a:r>
+            <a:endParaRPr lang="en-US" dirty="0"/>
+          </a:p>
+        </p:txBody>
+      </p:sp>
+      <p:sp>
+        <p:nvSpPr>
+          <p:cNvPr id="3" name="Content Placeholder 2"/>
+          <p:cNvSpPr>
+            <a:spLocks noGrp="1"/>
+          </p:cNvSpPr>
+          <p:nvPr>
+            <p:ph idx="1"/>
+          </p:nvPr>
+        </p:nvSpPr>
+        <p:spPr>
+          <a:xfrm>
+            <a:off x="838200" y="1825625"/>
+            <a:ext cx="10515600" cy="4351338"/>
+          </a:xfrm>
+        </p:spPr>
+        <p:txBody>
+          <a:bodyPr>
+            <a:normAutofit lnSpcReduction="10000"/>
+          </a:bodyPr>
+          <a:lstStyle/>
+          <a:p>
+            <a:r>
+              <a:rPr lang="en-US" dirty="0" smtClean="0"/>
+              <a:t>ELM</a:t>
+            </a:r>
+          </a:p>
+          <a:p>
+            <a:pPr lvl="1"/>
+            <a:r>
+              <a:rPr lang="en-US" dirty="0"/>
+              <a:t>m</a:t>
             </a:r>
             <a:r>
-              <a:rPr lang="en-US" smtClean="0"/>
-              <a:t>: Optimization</a:t>
+              <a:rPr lang="en-US" dirty="0" smtClean="0"/>
+              <a:t>in(MAPE, MAE) = ( 8.9096 [%], 565.83 [MW])</a:t>
+            </a:r>
+          </a:p>
+          <a:p>
+            <a:r>
+              <a:rPr lang="en-US" dirty="0" smtClean="0"/>
+              <a:t>H-ELM with 1 hidden layer</a:t>
+            </a:r>
+          </a:p>
+          <a:p>
+            <a:pPr marL="685800" lvl="2">
+              <a:spcBef>
+                <a:spcPts val="1000"/>
+              </a:spcBef>
+            </a:pPr>
+            <a:r>
+              <a:rPr lang="en-US" sz="2400" dirty="0"/>
+              <a:t>min(MAPE, MAE) = </a:t>
+            </a:r>
+            <a:r>
+              <a:rPr lang="en-US" sz="2400" dirty="0" smtClean="0"/>
+              <a:t>( 8.0201</a:t>
+            </a:r>
+            <a:r>
+              <a:rPr lang="en-US" sz="2400" dirty="0"/>
+              <a:t> [%]</a:t>
+            </a:r>
+            <a:r>
+              <a:rPr lang="en-US" sz="2400" dirty="0" smtClean="0"/>
+              <a:t>, 510.42</a:t>
+            </a:r>
+            <a:r>
+              <a:rPr lang="en-US" sz="2400" dirty="0"/>
+              <a:t> [MW]</a:t>
+            </a:r>
+            <a:r>
+              <a:rPr lang="en-US" sz="2400" dirty="0" smtClean="0"/>
+              <a:t>)</a:t>
+            </a:r>
+          </a:p>
+          <a:p>
+            <a:r>
+              <a:rPr lang="en-US" dirty="0"/>
+              <a:t>H-ELM with </a:t>
+            </a:r>
+            <a:r>
+              <a:rPr lang="en-US" dirty="0" smtClean="0"/>
+              <a:t>2 </a:t>
+            </a:r>
+            <a:r>
+              <a:rPr lang="en-US" dirty="0"/>
+              <a:t>hidden </a:t>
+            </a:r>
+            <a:r>
+              <a:rPr lang="en-US" dirty="0" smtClean="0"/>
+              <a:t>layers</a:t>
+            </a:r>
+          </a:p>
+          <a:p>
+            <a:pPr lvl="1"/>
+            <a:r>
+              <a:rPr lang="en-US" dirty="0"/>
+              <a:t>min(MAPE, MAE) = </a:t>
+            </a:r>
+            <a:r>
+              <a:rPr lang="en-US" dirty="0" smtClean="0"/>
+              <a:t>( 7.647</a:t>
+            </a:r>
+            <a:r>
+              <a:rPr lang="en-US" dirty="0"/>
+              <a:t> [%]</a:t>
+            </a:r>
+            <a:r>
+              <a:rPr lang="en-US" dirty="0" smtClean="0"/>
+              <a:t>, 483.5</a:t>
+            </a:r>
+            <a:r>
+              <a:rPr lang="en-US" dirty="0"/>
+              <a:t> [MW]</a:t>
+            </a:r>
+            <a:r>
+              <a:rPr lang="en-US" dirty="0" smtClean="0"/>
+              <a:t>)</a:t>
+            </a:r>
+          </a:p>
+          <a:p>
+            <a:r>
+              <a:rPr lang="en-US" dirty="0"/>
+              <a:t>H-ELM with </a:t>
+            </a:r>
+            <a:r>
+              <a:rPr lang="en-US" dirty="0" smtClean="0"/>
+              <a:t>3 </a:t>
+            </a:r>
+            <a:r>
+              <a:rPr lang="en-US" dirty="0"/>
+              <a:t>hidden </a:t>
+            </a:r>
+            <a:r>
+              <a:rPr lang="en-US" dirty="0" smtClean="0"/>
+              <a:t>layers</a:t>
+            </a:r>
+          </a:p>
+          <a:p>
+            <a:pPr lvl="1"/>
+            <a:r>
+              <a:rPr lang="en-US" dirty="0"/>
+              <a:t>min(MAPE, MAE) = </a:t>
+            </a:r>
+            <a:r>
+              <a:rPr lang="en-US" dirty="0" smtClean="0"/>
+              <a:t>( 7.7071 </a:t>
+            </a:r>
+            <a:r>
+              <a:rPr lang="en-US" dirty="0"/>
+              <a:t>[%]</a:t>
+            </a:r>
+            <a:r>
+              <a:rPr lang="en-US" dirty="0" smtClean="0"/>
+              <a:t>, 486.25 </a:t>
+            </a:r>
+            <a:r>
+              <a:rPr lang="en-US" dirty="0"/>
+              <a:t>[MW]</a:t>
+            </a:r>
+            <a:r>
+              <a:rPr lang="en-US" dirty="0" smtClean="0"/>
+              <a:t>)</a:t>
+            </a:r>
+          </a:p>
+          <a:p>
+            <a:r>
+              <a:rPr lang="en-US" dirty="0"/>
+              <a:t>H-ELM with </a:t>
+            </a:r>
+            <a:r>
+              <a:rPr lang="en-US" dirty="0" smtClean="0"/>
+              <a:t>4 </a:t>
+            </a:r>
+            <a:r>
+              <a:rPr lang="en-US" dirty="0"/>
+              <a:t>hidden </a:t>
+            </a:r>
+            <a:r>
+              <a:rPr lang="en-US" dirty="0" smtClean="0"/>
+              <a:t>layers</a:t>
+            </a:r>
+          </a:p>
+          <a:p>
+            <a:pPr lvl="1"/>
+            <a:r>
+              <a:rPr lang="en-US" dirty="0"/>
+              <a:t>min(MAPE, MAE) = </a:t>
+            </a:r>
+            <a:r>
+              <a:rPr lang="en-US" dirty="0" smtClean="0"/>
+              <a:t>( 7.725 [%], 490.24 </a:t>
+            </a:r>
+            <a:r>
+              <a:rPr lang="en-US" dirty="0"/>
+              <a:t>[MW]</a:t>
+            </a:r>
+            <a:r>
+              <a:rPr lang="en-US" dirty="0" smtClean="0"/>
+              <a:t>)</a:t>
             </a:r>
             <a:endParaRPr lang="en-US" dirty="0"/>
           </a:p>
@@ -21312,6 +21617,13 @@
   <p:clrMapOvr>
     <a:masterClrMapping/>
   </p:clrMapOvr>
+  <p:timing>
+    <p:tnLst>
+      <p:par>
+        <p:cTn id="1" dur="indefinite" restart="never" nodeType="tmRoot"/>
+      </p:par>
+    </p:tnLst>
+  </p:timing>
 </p:sld>
 </file>
 
